--- a/learnings.pptx
+++ b/learnings.pptx
@@ -14646,6 +14646,148 @@
           </a:p>
         </p:txBody>
       </p:sp>
+      <p:sp>
+        <p:nvSpPr>
+          <p:cNvPr id="2" name="Rectangle: Rounded Corners 1">
+            <a:extLst>
+              <a:ext uri="{FF2B5EF4-FFF2-40B4-BE49-F238E27FC236}">
+                <a16:creationId xmlns:a16="http://schemas.microsoft.com/office/drawing/2014/main" id="{8940B5CD-E973-4B14-B5D1-6C32EFBC3135}"/>
+              </a:ext>
+            </a:extLst>
+          </p:cNvPr>
+          <p:cNvSpPr/>
+          <p:nvPr/>
+        </p:nvSpPr>
+        <p:spPr>
+          <a:xfrm>
+            <a:off x="647998" y="4581728"/>
+            <a:ext cx="8320904" cy="1536970"/>
+          </a:xfrm>
+          <a:prstGeom prst="roundRect">
+            <a:avLst/>
+          </a:prstGeom>
+        </p:spPr>
+        <p:style>
+          <a:lnRef idx="2">
+            <a:schemeClr val="accent1">
+              <a:shade val="50000"/>
+            </a:schemeClr>
+          </a:lnRef>
+          <a:fillRef idx="1">
+            <a:schemeClr val="accent1"/>
+          </a:fillRef>
+          <a:effectRef idx="0">
+            <a:schemeClr val="accent1"/>
+          </a:effectRef>
+          <a:fontRef idx="minor">
+            <a:schemeClr val="lt1"/>
+          </a:fontRef>
+        </p:style>
+        <p:txBody>
+          <a:bodyPr rtlCol="0" anchor="ctr"/>
+          <a:lstStyle/>
+          <a:p>
+            <a:pPr algn="ctr"/>
+            <a:r>
+              <a:rPr lang="en-US" dirty="0"/>
+              <a:t>Note: When you want to expose </a:t>
+            </a:r>
+            <a:r>
+              <a:rPr lang="en-US" dirty="0" err="1"/>
+              <a:t>c++</a:t>
+            </a:r>
+            <a:r>
+              <a:rPr lang="en-US" dirty="0"/>
+              <a:t> class to QML you need to derive it from </a:t>
+            </a:r>
+            <a:r>
+              <a:rPr lang="en-US" dirty="0" err="1"/>
+              <a:t>QObject</a:t>
+            </a:r>
+            <a:r>
+              <a:rPr lang="en-US" dirty="0"/>
+              <a:t> and then you can register it with QML using following format. </a:t>
+            </a:r>
+            <a:r>
+              <a:rPr lang="nn-NO" dirty="0"/>
+              <a:t>qmlRegisterType&lt;</a:t>
+            </a:r>
+            <a:r>
+              <a:rPr lang="nn-NO" dirty="0">
+                <a:solidFill>
+                  <a:srgbClr val="55FF55"/>
+                </a:solidFill>
+                <a:effectLst/>
+              </a:rPr>
+              <a:t>ECGViewModel</a:t>
+            </a:r>
+            <a:r>
+              <a:rPr lang="nn-NO" dirty="0"/>
+              <a:t>&gt;(</a:t>
+            </a:r>
+            <a:r>
+              <a:rPr lang="nn-NO" dirty="0">
+                <a:solidFill>
+                  <a:srgbClr val="FF55FF"/>
+                </a:solidFill>
+                <a:effectLst/>
+              </a:rPr>
+              <a:t>"ECGViewModel"</a:t>
+            </a:r>
+            <a:r>
+              <a:rPr lang="nn-NO" dirty="0"/>
+              <a:t>,</a:t>
+            </a:r>
+            <a:r>
+              <a:rPr lang="nn-NO" dirty="0">
+                <a:solidFill>
+                  <a:srgbClr val="FF55FF"/>
+                </a:solidFill>
+                <a:effectLst/>
+              </a:rPr>
+              <a:t>1</a:t>
+            </a:r>
+            <a:r>
+              <a:rPr lang="nn-NO" dirty="0"/>
+              <a:t>,</a:t>
+            </a:r>
+            <a:r>
+              <a:rPr lang="nn-NO" dirty="0">
+                <a:solidFill>
+                  <a:srgbClr val="FF55FF"/>
+                </a:solidFill>
+                <a:effectLst/>
+              </a:rPr>
+              <a:t>0</a:t>
+            </a:r>
+            <a:r>
+              <a:rPr lang="nn-NO" dirty="0"/>
+              <a:t>,</a:t>
+            </a:r>
+            <a:r>
+              <a:rPr lang="nn-NO" dirty="0">
+                <a:solidFill>
+                  <a:srgbClr val="FF55FF"/>
+                </a:solidFill>
+                <a:effectLst/>
+              </a:rPr>
+              <a:t>"ECGViewModel"</a:t>
+            </a:r>
+            <a:r>
+              <a:rPr lang="nn-NO" dirty="0"/>
+              <a:t>);</a:t>
+            </a:r>
+          </a:p>
+          <a:p>
+            <a:pPr algn="ctr"/>
+            <a:r>
+              <a:rPr lang="nn-NO" dirty="0"/>
+              <a:t>IF you want to have property as another class then you need to derive that class from Qobject as well. </a:t>
+            </a:r>
+            <a:endParaRPr lang="en-IN" dirty="0"/>
+          </a:p>
+        </p:txBody>
+      </p:sp>
     </p:spTree>
   </p:cSld>
   <p:clrMapOvr>
@@ -15120,7 +15262,7 @@
         <p:spPr>
           <a:xfrm>
             <a:off x="311785" y="144780"/>
-            <a:ext cx="9128760" cy="1074837"/>
+            <a:ext cx="9128760" cy="1168454"/>
           </a:xfrm>
           <a:prstGeom prst="roundRect">
             <a:avLst/>
@@ -15202,6 +15344,141 @@
           <a:chExt cx="0" cy="0"/>
         </a:xfrm>
       </p:grpSpPr>
+      <p:sp>
+        <p:nvSpPr>
+          <p:cNvPr id="2" name="TextBox 1">
+            <a:extLst>
+              <a:ext uri="{FF2B5EF4-FFF2-40B4-BE49-F238E27FC236}">
+                <a16:creationId xmlns:a16="http://schemas.microsoft.com/office/drawing/2014/main" id="{499FA9DD-BC3C-4736-8F3B-234F6DDF2A9E}"/>
+              </a:ext>
+            </a:extLst>
+          </p:cNvPr>
+          <p:cNvSpPr txBox="1"/>
+          <p:nvPr/>
+        </p:nvSpPr>
+        <p:spPr>
+          <a:xfrm>
+            <a:off x="457200" y="554477"/>
+            <a:ext cx="9173183" cy="3970318"/>
+          </a:xfrm>
+          <a:prstGeom prst="rect">
+            <a:avLst/>
+          </a:prstGeom>
+          <a:noFill/>
+        </p:spPr>
+        <p:txBody>
+          <a:bodyPr wrap="square" rtlCol="0">
+            <a:spAutoFit/>
+          </a:bodyPr>
+          <a:lstStyle/>
+          <a:p>
+            <a:r>
+              <a:rPr lang="en-US" dirty="0"/>
+              <a:t>You can set up binding of QML with C++ code as follows</a:t>
+            </a:r>
+          </a:p>
+          <a:p>
+            <a:endParaRPr lang="en-US" dirty="0"/>
+          </a:p>
+          <a:p>
+            <a:endParaRPr lang="en-US" dirty="0"/>
+          </a:p>
+          <a:p>
+            <a:r>
+              <a:rPr lang="en-IN" dirty="0" err="1"/>
+              <a:t>Component.onCompleted</a:t>
+            </a:r>
+            <a:r>
+              <a:rPr lang="en-IN" dirty="0"/>
+              <a:t>: {</a:t>
+            </a:r>
+          </a:p>
+          <a:p>
+            <a:r>
+              <a:rPr lang="en-IN" dirty="0"/>
+              <a:t>        </a:t>
+            </a:r>
+            <a:r>
+              <a:rPr lang="en-IN" dirty="0" err="1"/>
+              <a:t>GameSettings.wWidth</a:t>
+            </a:r>
+            <a:r>
+              <a:rPr lang="en-IN" dirty="0"/>
+              <a:t> = </a:t>
+            </a:r>
+            <a:r>
+              <a:rPr lang="en-IN" dirty="0" err="1"/>
+              <a:t>Qt.binding</a:t>
+            </a:r>
+            <a:r>
+              <a:rPr lang="en-IN" dirty="0"/>
+              <a:t>(function() {return width})</a:t>
+            </a:r>
+          </a:p>
+          <a:p>
+            <a:r>
+              <a:rPr lang="en-IN" dirty="0"/>
+              <a:t>        </a:t>
+            </a:r>
+            <a:r>
+              <a:rPr lang="en-IN" dirty="0" err="1"/>
+              <a:t>GameSettings.wHeight</a:t>
+            </a:r>
+            <a:r>
+              <a:rPr lang="en-IN" dirty="0"/>
+              <a:t> = </a:t>
+            </a:r>
+            <a:r>
+              <a:rPr lang="en-IN" dirty="0" err="1"/>
+              <a:t>Qt.binding</a:t>
+            </a:r>
+            <a:r>
+              <a:rPr lang="en-IN" dirty="0"/>
+              <a:t>(function() {return height})</a:t>
+            </a:r>
+          </a:p>
+          <a:p>
+            <a:r>
+              <a:rPr lang="en-IN" dirty="0"/>
+              <a:t>    }</a:t>
+            </a:r>
+          </a:p>
+          <a:p>
+            <a:endParaRPr lang="en-IN" dirty="0"/>
+          </a:p>
+          <a:p>
+            <a:endParaRPr lang="en-IN" dirty="0"/>
+          </a:p>
+          <a:p>
+            <a:r>
+              <a:rPr lang="en-IN" dirty="0"/>
+              <a:t>In this case when component is loaded then we are setting the binding of </a:t>
+            </a:r>
+            <a:r>
+              <a:rPr lang="en-IN" dirty="0" err="1"/>
+              <a:t>c++</a:t>
+            </a:r>
+            <a:r>
+              <a:rPr lang="en-IN" dirty="0"/>
+              <a:t> object with the current width and height. </a:t>
+            </a:r>
+          </a:p>
+          <a:p>
+            <a:endParaRPr lang="en-IN" dirty="0"/>
+          </a:p>
+          <a:p>
+            <a:r>
+              <a:rPr lang="en-IN" dirty="0"/>
+              <a:t>This is required in cases where we don’t know when the object will be created and how to setup the binding so that </a:t>
+            </a:r>
+            <a:r>
+              <a:rPr lang="en-IN"/>
+              <a:t>it works. </a:t>
+            </a:r>
+            <a:endParaRPr lang="en-IN" dirty="0"/>
+          </a:p>
+        </p:txBody>
+      </p:sp>
     </p:spTree>
     <p:extLst>
       <p:ext uri="{BB962C8B-B14F-4D97-AF65-F5344CB8AC3E}">
@@ -15232,6 +15509,243 @@
           <a:chExt cx="0" cy="0"/>
         </a:xfrm>
       </p:grpSpPr>
+      <p:sp>
+        <p:nvSpPr>
+          <p:cNvPr id="2" name="Rectangle 1">
+            <a:extLst>
+              <a:ext uri="{FF2B5EF4-FFF2-40B4-BE49-F238E27FC236}">
+                <a16:creationId xmlns:a16="http://schemas.microsoft.com/office/drawing/2014/main" id="{89FF48D6-C8B7-4954-A6DA-4454BE6E892D}"/>
+              </a:ext>
+            </a:extLst>
+          </p:cNvPr>
+          <p:cNvSpPr/>
+          <p:nvPr/>
+        </p:nvSpPr>
+        <p:spPr>
+          <a:xfrm>
+            <a:off x="593387" y="525294"/>
+            <a:ext cx="8025319" cy="505838"/>
+          </a:xfrm>
+          <a:prstGeom prst="rect">
+            <a:avLst/>
+          </a:prstGeom>
+        </p:spPr>
+        <p:style>
+          <a:lnRef idx="2">
+            <a:schemeClr val="accent1">
+              <a:shade val="50000"/>
+            </a:schemeClr>
+          </a:lnRef>
+          <a:fillRef idx="1">
+            <a:schemeClr val="accent1"/>
+          </a:fillRef>
+          <a:effectRef idx="0">
+            <a:schemeClr val="accent1"/>
+          </a:effectRef>
+          <a:fontRef idx="minor">
+            <a:schemeClr val="lt1"/>
+          </a:fontRef>
+        </p:style>
+        <p:txBody>
+          <a:bodyPr rtlCol="0" anchor="ctr"/>
+          <a:lstStyle/>
+          <a:p>
+            <a:pPr algn="ctr"/>
+            <a:r>
+              <a:rPr lang="en-US" dirty="0"/>
+              <a:t>Properties in QML </a:t>
+            </a:r>
+            <a:endParaRPr lang="en-IN" dirty="0"/>
+          </a:p>
+        </p:txBody>
+      </p:sp>
+      <p:sp>
+        <p:nvSpPr>
+          <p:cNvPr id="5" name="TextBox 4">
+            <a:extLst>
+              <a:ext uri="{FF2B5EF4-FFF2-40B4-BE49-F238E27FC236}">
+                <a16:creationId xmlns:a16="http://schemas.microsoft.com/office/drawing/2014/main" id="{733C12F9-D3A8-40BB-9965-63935DFFA4CA}"/>
+              </a:ext>
+            </a:extLst>
+          </p:cNvPr>
+          <p:cNvSpPr txBox="1"/>
+          <p:nvPr/>
+        </p:nvSpPr>
+        <p:spPr>
+          <a:xfrm>
+            <a:off x="311285" y="1517515"/>
+            <a:ext cx="7247105" cy="2585323"/>
+          </a:xfrm>
+          <a:prstGeom prst="rect">
+            <a:avLst/>
+          </a:prstGeom>
+          <a:noFill/>
+        </p:spPr>
+        <p:txBody>
+          <a:bodyPr wrap="square">
+            <a:spAutoFit/>
+          </a:bodyPr>
+          <a:lstStyle/>
+          <a:p>
+            <a:r>
+              <a:rPr lang="en-IN" dirty="0"/>
+              <a:t> // </a:t>
+            </a:r>
+            <a:r>
+              <a:rPr lang="en-IN" dirty="0" err="1"/>
+              <a:t>Colors</a:t>
+            </a:r>
+            <a:endParaRPr lang="en-IN" dirty="0"/>
+          </a:p>
+          <a:p>
+            <a:r>
+              <a:rPr lang="en-IN" dirty="0"/>
+              <a:t>    </a:t>
+            </a:r>
+            <a:r>
+              <a:rPr lang="en-IN" dirty="0" err="1"/>
+              <a:t>readonly</a:t>
+            </a:r>
+            <a:r>
+              <a:rPr lang="en-IN" dirty="0"/>
+              <a:t> property </a:t>
+            </a:r>
+            <a:r>
+              <a:rPr lang="en-IN" dirty="0" err="1"/>
+              <a:t>color</a:t>
+            </a:r>
+            <a:r>
+              <a:rPr lang="en-IN" dirty="0"/>
+              <a:t> </a:t>
+            </a:r>
+            <a:r>
+              <a:rPr lang="en-IN" dirty="0" err="1"/>
+              <a:t>backgroundColor</a:t>
+            </a:r>
+            <a:r>
+              <a:rPr lang="en-IN" dirty="0"/>
+              <a:t>: "#2d3037"</a:t>
+            </a:r>
+          </a:p>
+          <a:p>
+            <a:r>
+              <a:rPr lang="en-IN" dirty="0"/>
+              <a:t>    </a:t>
+            </a:r>
+            <a:r>
+              <a:rPr lang="en-IN" dirty="0" err="1"/>
+              <a:t>readonly</a:t>
+            </a:r>
+            <a:r>
+              <a:rPr lang="en-IN" dirty="0"/>
+              <a:t> property </a:t>
+            </a:r>
+            <a:r>
+              <a:rPr lang="en-IN" dirty="0" err="1"/>
+              <a:t>color</a:t>
+            </a:r>
+            <a:r>
+              <a:rPr lang="en-IN" dirty="0"/>
+              <a:t> </a:t>
+            </a:r>
+            <a:r>
+              <a:rPr lang="en-IN" dirty="0" err="1"/>
+              <a:t>buttonColor</a:t>
+            </a:r>
+            <a:r>
+              <a:rPr lang="en-IN" dirty="0"/>
+              <a:t>: "#202227"</a:t>
+            </a:r>
+          </a:p>
+          <a:p>
+            <a:r>
+              <a:rPr lang="en-IN" dirty="0"/>
+              <a:t>    </a:t>
+            </a:r>
+            <a:r>
+              <a:rPr lang="en-IN" dirty="0" err="1"/>
+              <a:t>readonly</a:t>
+            </a:r>
+            <a:r>
+              <a:rPr lang="en-IN" dirty="0"/>
+              <a:t> property </a:t>
+            </a:r>
+            <a:r>
+              <a:rPr lang="en-IN" dirty="0" err="1"/>
+              <a:t>color</a:t>
+            </a:r>
+            <a:r>
+              <a:rPr lang="en-IN" dirty="0"/>
+              <a:t> </a:t>
+            </a:r>
+            <a:r>
+              <a:rPr lang="en-IN" dirty="0" err="1"/>
+              <a:t>buttonPressedColor</a:t>
+            </a:r>
+            <a:r>
+              <a:rPr lang="en-IN" dirty="0"/>
+              <a:t>: "#6ccaf2“</a:t>
+            </a:r>
+          </a:p>
+          <a:p>
+            <a:endParaRPr lang="en-IN" dirty="0"/>
+          </a:p>
+          <a:p>
+            <a:endParaRPr lang="en-IN" dirty="0"/>
+          </a:p>
+          <a:p>
+            <a:r>
+              <a:rPr lang="en-IN" dirty="0"/>
+              <a:t> // Float values </a:t>
+            </a:r>
+          </a:p>
+          <a:p>
+            <a:r>
+              <a:rPr lang="en-US" dirty="0"/>
+              <a:t> property real </a:t>
+            </a:r>
+            <a:r>
+              <a:rPr lang="en-US" dirty="0" err="1"/>
+              <a:t>microFontSize</a:t>
+            </a:r>
+            <a:r>
+              <a:rPr lang="en-US" dirty="0"/>
+              <a:t>: </a:t>
+            </a:r>
+            <a:r>
+              <a:rPr lang="en-US" dirty="0" err="1"/>
+              <a:t>hugeFontSize</a:t>
+            </a:r>
+            <a:r>
+              <a:rPr lang="en-US" dirty="0"/>
+              <a:t> * 0.2</a:t>
+            </a:r>
+          </a:p>
+          <a:p>
+            <a:r>
+              <a:rPr lang="en-US" dirty="0"/>
+              <a:t>    property real </a:t>
+            </a:r>
+            <a:r>
+              <a:rPr lang="en-US" dirty="0" err="1"/>
+              <a:t>tinyFontSize</a:t>
+            </a:r>
+            <a:r>
+              <a:rPr lang="en-US" dirty="0"/>
+              <a:t>: </a:t>
+            </a:r>
+            <a:r>
+              <a:rPr lang="en-US" dirty="0" err="1"/>
+              <a:t>hugeFontSize</a:t>
+            </a:r>
+            <a:r>
+              <a:rPr lang="en-US" dirty="0"/>
+              <a:t> * 0.4</a:t>
+            </a:r>
+            <a:endParaRPr lang="en-IN" dirty="0"/>
+          </a:p>
+        </p:txBody>
+      </p:sp>
     </p:spTree>
     <p:extLst>
       <p:ext uri="{BB962C8B-B14F-4D97-AF65-F5344CB8AC3E}">
@@ -15262,6 +15776,399 @@
           <a:chExt cx="0" cy="0"/>
         </a:xfrm>
       </p:grpSpPr>
+      <p:sp>
+        <p:nvSpPr>
+          <p:cNvPr id="2" name="Rectangle 1">
+            <a:extLst>
+              <a:ext uri="{FF2B5EF4-FFF2-40B4-BE49-F238E27FC236}">
+                <a16:creationId xmlns:a16="http://schemas.microsoft.com/office/drawing/2014/main" id="{D7A08F82-E5B9-4480-B6B7-C46DEC784B82}"/>
+              </a:ext>
+            </a:extLst>
+          </p:cNvPr>
+          <p:cNvSpPr/>
+          <p:nvPr/>
+        </p:nvSpPr>
+        <p:spPr>
+          <a:xfrm>
+            <a:off x="1459149" y="787940"/>
+            <a:ext cx="7256834" cy="592758"/>
+          </a:xfrm>
+          <a:prstGeom prst="rect">
+            <a:avLst/>
+          </a:prstGeom>
+        </p:spPr>
+        <p:style>
+          <a:lnRef idx="2">
+            <a:schemeClr val="accent1">
+              <a:shade val="50000"/>
+            </a:schemeClr>
+          </a:lnRef>
+          <a:fillRef idx="1">
+            <a:schemeClr val="accent1"/>
+          </a:fillRef>
+          <a:effectRef idx="0">
+            <a:schemeClr val="accent1"/>
+          </a:effectRef>
+          <a:fontRef idx="minor">
+            <a:schemeClr val="lt1"/>
+          </a:fontRef>
+        </p:style>
+        <p:txBody>
+          <a:bodyPr rtlCol="0" anchor="ctr"/>
+          <a:lstStyle/>
+          <a:p>
+            <a:pPr algn="ctr"/>
+            <a:r>
+              <a:rPr lang="en-US" dirty="0"/>
+              <a:t>Settings class in QML </a:t>
+            </a:r>
+            <a:endParaRPr lang="en-IN" dirty="0"/>
+          </a:p>
+        </p:txBody>
+      </p:sp>
+      <p:sp>
+        <p:nvSpPr>
+          <p:cNvPr id="6" name="TextBox 5">
+            <a:extLst>
+              <a:ext uri="{FF2B5EF4-FFF2-40B4-BE49-F238E27FC236}">
+                <a16:creationId xmlns:a16="http://schemas.microsoft.com/office/drawing/2014/main" id="{DD89CEB9-8CC5-4A81-8DA4-3DAECD99395D}"/>
+              </a:ext>
+            </a:extLst>
+          </p:cNvPr>
+          <p:cNvSpPr txBox="1"/>
+          <p:nvPr/>
+        </p:nvSpPr>
+        <p:spPr>
+          <a:xfrm>
+            <a:off x="321014" y="2762657"/>
+            <a:ext cx="5651770" cy="4247317"/>
+          </a:xfrm>
+          <a:prstGeom prst="rect">
+            <a:avLst/>
+          </a:prstGeom>
+          <a:noFill/>
+        </p:spPr>
+        <p:txBody>
+          <a:bodyPr wrap="square">
+            <a:spAutoFit/>
+          </a:bodyPr>
+          <a:lstStyle/>
+          <a:p>
+            <a:r>
+              <a:rPr lang="en-IN" dirty="0"/>
+              <a:t>Following is singleton class in QML</a:t>
+            </a:r>
+          </a:p>
+          <a:p>
+            <a:r>
+              <a:rPr lang="en-IN" dirty="0"/>
+              <a:t>// </a:t>
+            </a:r>
+            <a:r>
+              <a:rPr lang="en-IN" dirty="0" err="1"/>
+              <a:t>GameSettings.qml</a:t>
+            </a:r>
+            <a:endParaRPr lang="en-IN" dirty="0"/>
+          </a:p>
+          <a:p>
+            <a:r>
+              <a:rPr lang="en-IN" dirty="0"/>
+              <a:t>pragma Singleton</a:t>
+            </a:r>
+          </a:p>
+          <a:p>
+            <a:r>
+              <a:rPr lang="en-IN" dirty="0"/>
+              <a:t>import </a:t>
+            </a:r>
+            <a:r>
+              <a:rPr lang="en-IN" dirty="0" err="1"/>
+              <a:t>QtQuick</a:t>
+            </a:r>
+            <a:r>
+              <a:rPr lang="en-IN" dirty="0"/>
+              <a:t> 2.5</a:t>
+            </a:r>
+          </a:p>
+          <a:p>
+            <a:endParaRPr lang="en-IN" dirty="0"/>
+          </a:p>
+          <a:p>
+            <a:r>
+              <a:rPr lang="en-IN" dirty="0"/>
+              <a:t>Item {</a:t>
+            </a:r>
+          </a:p>
+          <a:p>
+            <a:r>
+              <a:rPr lang="en-IN" dirty="0"/>
+              <a:t>    property int </a:t>
+            </a:r>
+            <a:r>
+              <a:rPr lang="en-IN" dirty="0" err="1"/>
+              <a:t>wHeight</a:t>
+            </a:r>
+            <a:endParaRPr lang="en-IN" dirty="0"/>
+          </a:p>
+          <a:p>
+            <a:r>
+              <a:rPr lang="en-IN" dirty="0"/>
+              <a:t>    property int </a:t>
+            </a:r>
+            <a:r>
+              <a:rPr lang="en-IN" dirty="0" err="1"/>
+              <a:t>wWidth</a:t>
+            </a:r>
+            <a:endParaRPr lang="en-IN" dirty="0"/>
+          </a:p>
+          <a:p>
+            <a:r>
+              <a:rPr lang="en-IN" dirty="0"/>
+              <a:t>    property </a:t>
+            </a:r>
+            <a:r>
+              <a:rPr lang="en-IN" dirty="0" err="1"/>
+              <a:t>color</a:t>
+            </a:r>
+            <a:r>
+              <a:rPr lang="en-IN" dirty="0"/>
+              <a:t> b1: "#202227“</a:t>
+            </a:r>
+          </a:p>
+          <a:p>
+            <a:r>
+              <a:rPr lang="en-IN" dirty="0"/>
+              <a:t>}</a:t>
+            </a:r>
+          </a:p>
+          <a:p>
+            <a:endParaRPr lang="en-IN" dirty="0"/>
+          </a:p>
+          <a:p>
+            <a:endParaRPr lang="en-IN" dirty="0"/>
+          </a:p>
+          <a:p>
+            <a:r>
+              <a:rPr lang="en-IN" dirty="0"/>
+              <a:t>You need to create a file </a:t>
+            </a:r>
+            <a:r>
+              <a:rPr lang="en-IN" dirty="0" err="1"/>
+              <a:t>qmldir</a:t>
+            </a:r>
+            <a:r>
+              <a:rPr lang="en-IN" dirty="0"/>
+              <a:t> and add following line in it</a:t>
+            </a:r>
+          </a:p>
+          <a:p>
+            <a:r>
+              <a:rPr lang="en-IN" dirty="0"/>
+              <a:t>singleton</a:t>
+            </a:r>
+            <a:r>
+              <a:rPr lang="en-IN" dirty="0">
+                <a:solidFill>
+                  <a:srgbClr val="C0C0C0"/>
+                </a:solidFill>
+                <a:effectLst/>
+              </a:rPr>
+              <a:t> </a:t>
+            </a:r>
+            <a:r>
+              <a:rPr lang="en-IN" dirty="0" err="1"/>
+              <a:t>GameSettings</a:t>
+            </a:r>
+            <a:r>
+              <a:rPr lang="en-IN" dirty="0">
+                <a:solidFill>
+                  <a:srgbClr val="C0C0C0"/>
+                </a:solidFill>
+                <a:effectLst/>
+              </a:rPr>
+              <a:t> </a:t>
+            </a:r>
+            <a:r>
+              <a:rPr lang="en-IN" dirty="0"/>
+              <a:t>1.0</a:t>
+            </a:r>
+            <a:r>
+              <a:rPr lang="en-IN" dirty="0">
+                <a:solidFill>
+                  <a:srgbClr val="C0C0C0"/>
+                </a:solidFill>
+                <a:effectLst/>
+              </a:rPr>
+              <a:t> </a:t>
+            </a:r>
+            <a:r>
+              <a:rPr lang="en-IN" dirty="0" err="1"/>
+              <a:t>GameSettings.qml</a:t>
+            </a:r>
+            <a:endParaRPr lang="en-IN" dirty="0"/>
+          </a:p>
+          <a:p>
+            <a:endParaRPr lang="en-IN" dirty="0"/>
+          </a:p>
+        </p:txBody>
+      </p:sp>
+      <p:sp>
+        <p:nvSpPr>
+          <p:cNvPr id="8" name="TextBox 7">
+            <a:extLst>
+              <a:ext uri="{FF2B5EF4-FFF2-40B4-BE49-F238E27FC236}">
+                <a16:creationId xmlns:a16="http://schemas.microsoft.com/office/drawing/2014/main" id="{D9B8D283-BB3F-48B9-8968-5012D673D107}"/>
+              </a:ext>
+            </a:extLst>
+          </p:cNvPr>
+          <p:cNvSpPr txBox="1"/>
+          <p:nvPr/>
+        </p:nvSpPr>
+        <p:spPr>
+          <a:xfrm>
+            <a:off x="3961927" y="1656178"/>
+            <a:ext cx="6118698" cy="4247317"/>
+          </a:xfrm>
+          <a:prstGeom prst="rect">
+            <a:avLst/>
+          </a:prstGeom>
+          <a:noFill/>
+        </p:spPr>
+        <p:txBody>
+          <a:bodyPr wrap="square">
+            <a:spAutoFit/>
+          </a:bodyPr>
+          <a:lstStyle/>
+          <a:p>
+            <a:r>
+              <a:rPr lang="en-IN" dirty="0"/>
+              <a:t>// following is how to use singleton class </a:t>
+            </a:r>
+          </a:p>
+          <a:p>
+            <a:r>
+              <a:rPr lang="en-IN" dirty="0"/>
+              <a:t>import "."</a:t>
+            </a:r>
+          </a:p>
+          <a:p>
+            <a:endParaRPr lang="en-IN" dirty="0"/>
+          </a:p>
+          <a:p>
+            <a:r>
+              <a:rPr lang="en-IN" dirty="0"/>
+              <a:t>Window {</a:t>
+            </a:r>
+          </a:p>
+          <a:p>
+            <a:r>
+              <a:rPr lang="en-IN" dirty="0"/>
+              <a:t>    id: </a:t>
+            </a:r>
+            <a:r>
+              <a:rPr lang="en-IN" dirty="0" err="1"/>
+              <a:t>wroot</a:t>
+            </a:r>
+            <a:endParaRPr lang="en-IN" dirty="0"/>
+          </a:p>
+          <a:p>
+            <a:r>
+              <a:rPr lang="en-IN" dirty="0"/>
+              <a:t>    visible: true</a:t>
+            </a:r>
+          </a:p>
+          <a:p>
+            <a:r>
+              <a:rPr lang="en-IN" dirty="0"/>
+              <a:t>    width: 720 * .7</a:t>
+            </a:r>
+          </a:p>
+          <a:p>
+            <a:r>
+              <a:rPr lang="en-IN" dirty="0"/>
+              <a:t>    height: 1240 * .7</a:t>
+            </a:r>
+          </a:p>
+          <a:p>
+            <a:r>
+              <a:rPr lang="en-IN" dirty="0"/>
+              <a:t>    </a:t>
+            </a:r>
+            <a:r>
+              <a:rPr lang="en-IN" dirty="0" err="1"/>
+              <a:t>color</a:t>
+            </a:r>
+            <a:r>
+              <a:rPr lang="en-IN" dirty="0"/>
+              <a:t>: GameSettings.b1</a:t>
+            </a:r>
+          </a:p>
+          <a:p>
+            <a:r>
+              <a:rPr lang="en-IN" dirty="0"/>
+              <a:t>    </a:t>
+            </a:r>
+            <a:r>
+              <a:rPr lang="en-IN" dirty="0" err="1"/>
+              <a:t>Component.onCompleted</a:t>
+            </a:r>
+            <a:r>
+              <a:rPr lang="en-IN" dirty="0"/>
+              <a:t>: {</a:t>
+            </a:r>
+          </a:p>
+          <a:p>
+            <a:r>
+              <a:rPr lang="en-IN" dirty="0"/>
+              <a:t>        </a:t>
+            </a:r>
+            <a:r>
+              <a:rPr lang="en-IN" dirty="0" err="1"/>
+              <a:t>GameSettings.wWidth</a:t>
+            </a:r>
+            <a:r>
+              <a:rPr lang="en-IN" dirty="0"/>
+              <a:t> = </a:t>
+            </a:r>
+            <a:r>
+              <a:rPr lang="en-IN" dirty="0" err="1"/>
+              <a:t>Qt.binding</a:t>
+            </a:r>
+            <a:r>
+              <a:rPr lang="en-IN" dirty="0"/>
+              <a:t>(function() {return width})</a:t>
+            </a:r>
+          </a:p>
+          <a:p>
+            <a:r>
+              <a:rPr lang="en-IN" dirty="0"/>
+              <a:t>        </a:t>
+            </a:r>
+            <a:r>
+              <a:rPr lang="en-IN" dirty="0" err="1"/>
+              <a:t>GameSettings.wHeight</a:t>
+            </a:r>
+            <a:r>
+              <a:rPr lang="en-IN" dirty="0"/>
+              <a:t> = </a:t>
+            </a:r>
+            <a:r>
+              <a:rPr lang="en-IN" dirty="0" err="1"/>
+              <a:t>Qt.binding</a:t>
+            </a:r>
+            <a:r>
+              <a:rPr lang="en-IN" dirty="0"/>
+              <a:t>(function() {return height})</a:t>
+            </a:r>
+          </a:p>
+          <a:p>
+            <a:r>
+              <a:rPr lang="en-IN" dirty="0"/>
+              <a:t>    }</a:t>
+            </a:r>
+          </a:p>
+        </p:txBody>
+      </p:sp>
     </p:spTree>
     <p:extLst>
       <p:ext uri="{BB962C8B-B14F-4D97-AF65-F5344CB8AC3E}">
@@ -15292,6 +16199,368 @@
           <a:chExt cx="0" cy="0"/>
         </a:xfrm>
       </p:grpSpPr>
+      <p:sp>
+        <p:nvSpPr>
+          <p:cNvPr id="2" name="Rectangle 1">
+            <a:extLst>
+              <a:ext uri="{FF2B5EF4-FFF2-40B4-BE49-F238E27FC236}">
+                <a16:creationId xmlns:a16="http://schemas.microsoft.com/office/drawing/2014/main" id="{98EF6664-15FC-4033-87F1-1657B4688468}"/>
+              </a:ext>
+            </a:extLst>
+          </p:cNvPr>
+          <p:cNvSpPr/>
+          <p:nvPr/>
+        </p:nvSpPr>
+        <p:spPr>
+          <a:xfrm>
+            <a:off x="204281" y="466928"/>
+            <a:ext cx="8861898" cy="544749"/>
+          </a:xfrm>
+          <a:prstGeom prst="rect">
+            <a:avLst/>
+          </a:prstGeom>
+        </p:spPr>
+        <p:style>
+          <a:lnRef idx="2">
+            <a:schemeClr val="accent1">
+              <a:shade val="50000"/>
+            </a:schemeClr>
+          </a:lnRef>
+          <a:fillRef idx="1">
+            <a:schemeClr val="accent1"/>
+          </a:fillRef>
+          <a:effectRef idx="0">
+            <a:schemeClr val="accent1"/>
+          </a:effectRef>
+          <a:fontRef idx="minor">
+            <a:schemeClr val="lt1"/>
+          </a:fontRef>
+        </p:style>
+        <p:txBody>
+          <a:bodyPr rtlCol="0" anchor="ctr"/>
+          <a:lstStyle/>
+          <a:p>
+            <a:pPr algn="ctr"/>
+            <a:r>
+              <a:rPr lang="en-US" dirty="0"/>
+              <a:t>How to load QML file using Loader component and how to handle signals</a:t>
+            </a:r>
+            <a:endParaRPr lang="en-IN" dirty="0"/>
+          </a:p>
+        </p:txBody>
+      </p:sp>
+      <p:sp>
+        <p:nvSpPr>
+          <p:cNvPr id="6" name="TextBox 5">
+            <a:extLst>
+              <a:ext uri="{FF2B5EF4-FFF2-40B4-BE49-F238E27FC236}">
+                <a16:creationId xmlns:a16="http://schemas.microsoft.com/office/drawing/2014/main" id="{B9502C43-D421-4FEA-8F83-CE991C0660AF}"/>
+              </a:ext>
+            </a:extLst>
+          </p:cNvPr>
+          <p:cNvSpPr txBox="1"/>
+          <p:nvPr/>
+        </p:nvSpPr>
+        <p:spPr>
+          <a:xfrm>
+            <a:off x="321012" y="1592068"/>
+            <a:ext cx="5038926" cy="3693319"/>
+          </a:xfrm>
+          <a:prstGeom prst="rect">
+            <a:avLst/>
+          </a:prstGeom>
+          <a:noFill/>
+        </p:spPr>
+        <p:txBody>
+          <a:bodyPr wrap="square">
+            <a:spAutoFit/>
+          </a:bodyPr>
+          <a:lstStyle/>
+          <a:p>
+            <a:r>
+              <a:rPr lang="en-IN" dirty="0"/>
+              <a:t>Loader {</a:t>
+            </a:r>
+          </a:p>
+          <a:p>
+            <a:r>
+              <a:rPr lang="en-IN" dirty="0"/>
+              <a:t>        id: </a:t>
+            </a:r>
+            <a:r>
+              <a:rPr lang="en-IN" dirty="0" err="1"/>
+              <a:t>splashLoader</a:t>
+            </a:r>
+            <a:endParaRPr lang="en-IN" dirty="0"/>
+          </a:p>
+          <a:p>
+            <a:r>
+              <a:rPr lang="en-IN" dirty="0"/>
+              <a:t>        </a:t>
+            </a:r>
+            <a:r>
+              <a:rPr lang="en-IN" dirty="0" err="1"/>
+              <a:t>anchors.fill</a:t>
+            </a:r>
+            <a:r>
+              <a:rPr lang="en-IN" dirty="0"/>
+              <a:t>: parent</a:t>
+            </a:r>
+          </a:p>
+          <a:p>
+            <a:r>
+              <a:rPr lang="en-IN" dirty="0"/>
+              <a:t>        source: "</a:t>
+            </a:r>
+            <a:r>
+              <a:rPr lang="en-IN" dirty="0" err="1"/>
+              <a:t>SplashScreen.qml</a:t>
+            </a:r>
+            <a:r>
+              <a:rPr lang="en-IN" dirty="0"/>
+              <a:t>"</a:t>
+            </a:r>
+          </a:p>
+          <a:p>
+            <a:r>
+              <a:rPr lang="en-IN" dirty="0"/>
+              <a:t>        asynchronous: false</a:t>
+            </a:r>
+          </a:p>
+          <a:p>
+            <a:r>
+              <a:rPr lang="en-IN" dirty="0"/>
+              <a:t>        visible: true</a:t>
+            </a:r>
+          </a:p>
+          <a:p>
+            <a:endParaRPr lang="en-IN" dirty="0"/>
+          </a:p>
+          <a:p>
+            <a:r>
+              <a:rPr lang="en-IN" dirty="0"/>
+              <a:t>        </a:t>
+            </a:r>
+            <a:r>
+              <a:rPr lang="en-IN" dirty="0" err="1"/>
+              <a:t>onStatusChanged</a:t>
+            </a:r>
+            <a:r>
+              <a:rPr lang="en-IN" dirty="0"/>
+              <a:t>: {</a:t>
+            </a:r>
+          </a:p>
+          <a:p>
+            <a:r>
+              <a:rPr lang="en-IN" dirty="0"/>
+              <a:t>            if (status === </a:t>
+            </a:r>
+            <a:r>
+              <a:rPr lang="en-IN" dirty="0" err="1"/>
+              <a:t>Loader.Ready</a:t>
+            </a:r>
+            <a:r>
+              <a:rPr lang="en-IN" dirty="0"/>
+              <a:t>) {</a:t>
+            </a:r>
+          </a:p>
+          <a:p>
+            <a:r>
+              <a:rPr lang="en-IN" dirty="0"/>
+              <a:t>                </a:t>
+            </a:r>
+            <a:r>
+              <a:rPr lang="en-IN" dirty="0" err="1"/>
+              <a:t>appLoader.setSource</a:t>
+            </a:r>
+            <a:r>
+              <a:rPr lang="en-IN" dirty="0"/>
+              <a:t>("</a:t>
+            </a:r>
+            <a:r>
+              <a:rPr lang="en-IN" dirty="0" err="1"/>
+              <a:t>App.qml</a:t>
+            </a:r>
+            <a:r>
+              <a:rPr lang="en-IN" dirty="0"/>
+              <a:t>");</a:t>
+            </a:r>
+          </a:p>
+          <a:p>
+            <a:r>
+              <a:rPr lang="en-IN" dirty="0"/>
+              <a:t>            }</a:t>
+            </a:r>
+          </a:p>
+          <a:p>
+            <a:r>
+              <a:rPr lang="en-IN" dirty="0"/>
+              <a:t>        }</a:t>
+            </a:r>
+          </a:p>
+          <a:p>
+            <a:r>
+              <a:rPr lang="en-IN" dirty="0"/>
+              <a:t>    }</a:t>
+            </a:r>
+          </a:p>
+        </p:txBody>
+      </p:sp>
+      <p:sp>
+        <p:nvSpPr>
+          <p:cNvPr id="8" name="TextBox 7">
+            <a:extLst>
+              <a:ext uri="{FF2B5EF4-FFF2-40B4-BE49-F238E27FC236}">
+                <a16:creationId xmlns:a16="http://schemas.microsoft.com/office/drawing/2014/main" id="{685C3BBF-D4E7-44B9-B3C9-B59332063EE1}"/>
+              </a:ext>
+            </a:extLst>
+          </p:cNvPr>
+          <p:cNvSpPr txBox="1"/>
+          <p:nvPr/>
+        </p:nvSpPr>
+        <p:spPr>
+          <a:xfrm>
+            <a:off x="4533090" y="1592068"/>
+            <a:ext cx="5038926" cy="3693319"/>
+          </a:xfrm>
+          <a:prstGeom prst="rect">
+            <a:avLst/>
+          </a:prstGeom>
+          <a:noFill/>
+        </p:spPr>
+        <p:txBody>
+          <a:bodyPr wrap="square">
+            <a:spAutoFit/>
+          </a:bodyPr>
+          <a:lstStyle/>
+          <a:p>
+            <a:r>
+              <a:rPr lang="en-IN" dirty="0"/>
+              <a:t>// In following connection we hide the loader when we get the signal </a:t>
+            </a:r>
+            <a:r>
+              <a:rPr lang="en-IN" dirty="0" err="1"/>
+              <a:t>readyToGo</a:t>
+            </a:r>
+            <a:r>
+              <a:rPr lang="en-IN" dirty="0"/>
+              <a:t>() from the </a:t>
+            </a:r>
+            <a:r>
+              <a:rPr lang="en-IN" dirty="0" err="1"/>
+              <a:t>qml</a:t>
+            </a:r>
+            <a:r>
+              <a:rPr lang="en-IN" dirty="0"/>
+              <a:t> item which is loaded in </a:t>
+            </a:r>
+            <a:r>
+              <a:rPr lang="en-IN" dirty="0" err="1"/>
+              <a:t>splashLoader</a:t>
+            </a:r>
+            <a:r>
+              <a:rPr lang="en-IN" dirty="0"/>
+              <a:t>. We load another </a:t>
+            </a:r>
+            <a:r>
+              <a:rPr lang="en-IN" dirty="0" err="1"/>
+              <a:t>qml</a:t>
+            </a:r>
+            <a:r>
+              <a:rPr lang="en-IN" dirty="0"/>
+              <a:t> in another loader and set active focus to it. </a:t>
+            </a:r>
+          </a:p>
+          <a:p>
+            <a:endParaRPr lang="en-IN" dirty="0"/>
+          </a:p>
+          <a:p>
+            <a:r>
+              <a:rPr lang="en-IN" dirty="0"/>
+              <a:t>Connections {</a:t>
+            </a:r>
+          </a:p>
+          <a:p>
+            <a:r>
+              <a:rPr lang="en-IN" dirty="0"/>
+              <a:t>        target: </a:t>
+            </a:r>
+            <a:r>
+              <a:rPr lang="en-IN" dirty="0" err="1"/>
+              <a:t>splashLoader.item</a:t>
+            </a:r>
+            <a:endParaRPr lang="en-IN" dirty="0"/>
+          </a:p>
+          <a:p>
+            <a:r>
+              <a:rPr lang="en-IN" dirty="0"/>
+              <a:t>        </a:t>
+            </a:r>
+            <a:r>
+              <a:rPr lang="en-IN" dirty="0" err="1"/>
+              <a:t>onReadyToGo</a:t>
+            </a:r>
+            <a:r>
+              <a:rPr lang="en-IN" dirty="0"/>
+              <a:t>: {</a:t>
+            </a:r>
+          </a:p>
+          <a:p>
+            <a:r>
+              <a:rPr lang="en-IN" dirty="0"/>
+              <a:t>            </a:t>
+            </a:r>
+            <a:r>
+              <a:rPr lang="en-IN" dirty="0" err="1"/>
+              <a:t>splashLoader.visible</a:t>
+            </a:r>
+            <a:r>
+              <a:rPr lang="en-IN" dirty="0"/>
+              <a:t> = false</a:t>
+            </a:r>
+          </a:p>
+          <a:p>
+            <a:r>
+              <a:rPr lang="en-IN" dirty="0"/>
+              <a:t>            </a:t>
+            </a:r>
+            <a:r>
+              <a:rPr lang="en-IN" dirty="0" err="1"/>
+              <a:t>splashLoader.setSource</a:t>
+            </a:r>
+            <a:r>
+              <a:rPr lang="en-IN" dirty="0"/>
+              <a:t>("")</a:t>
+            </a:r>
+          </a:p>
+          <a:p>
+            <a:r>
+              <a:rPr lang="en-IN" dirty="0"/>
+              <a:t>            </a:t>
+            </a:r>
+            <a:r>
+              <a:rPr lang="en-IN" dirty="0" err="1"/>
+              <a:t>appLoader.item.forceActiveFocus</a:t>
+            </a:r>
+            <a:r>
+              <a:rPr lang="en-IN" dirty="0"/>
+              <a:t>();</a:t>
+            </a:r>
+          </a:p>
+          <a:p>
+            <a:r>
+              <a:rPr lang="en-IN" dirty="0"/>
+              <a:t>        }</a:t>
+            </a:r>
+          </a:p>
+          <a:p>
+            <a:r>
+              <a:rPr lang="en-IN" dirty="0"/>
+              <a:t>    }</a:t>
+            </a:r>
+          </a:p>
+        </p:txBody>
+      </p:sp>
     </p:spTree>
     <p:extLst>
       <p:ext uri="{BB962C8B-B14F-4D97-AF65-F5344CB8AC3E}">
@@ -15322,6 +16591,463 @@
           <a:chExt cx="0" cy="0"/>
         </a:xfrm>
       </p:grpSpPr>
+      <p:sp>
+        <p:nvSpPr>
+          <p:cNvPr id="2" name="Rectangle 1">
+            <a:extLst>
+              <a:ext uri="{FF2B5EF4-FFF2-40B4-BE49-F238E27FC236}">
+                <a16:creationId xmlns:a16="http://schemas.microsoft.com/office/drawing/2014/main" id="{D57CC233-9169-4756-9F34-AFD911B80EFE}"/>
+              </a:ext>
+            </a:extLst>
+          </p:cNvPr>
+          <p:cNvSpPr/>
+          <p:nvPr/>
+        </p:nvSpPr>
+        <p:spPr>
+          <a:xfrm>
+            <a:off x="486383" y="457200"/>
+            <a:ext cx="8949447" cy="700391"/>
+          </a:xfrm>
+          <a:prstGeom prst="rect">
+            <a:avLst/>
+          </a:prstGeom>
+        </p:spPr>
+        <p:style>
+          <a:lnRef idx="2">
+            <a:schemeClr val="accent1">
+              <a:shade val="50000"/>
+            </a:schemeClr>
+          </a:lnRef>
+          <a:fillRef idx="1">
+            <a:schemeClr val="accent1"/>
+          </a:fillRef>
+          <a:effectRef idx="0">
+            <a:schemeClr val="accent1"/>
+          </a:effectRef>
+          <a:fontRef idx="minor">
+            <a:schemeClr val="lt1"/>
+          </a:fontRef>
+        </p:style>
+        <p:txBody>
+          <a:bodyPr rtlCol="0" anchor="ctr"/>
+          <a:lstStyle/>
+          <a:p>
+            <a:pPr algn="ctr"/>
+            <a:r>
+              <a:rPr lang="en-US" dirty="0"/>
+              <a:t>Controlling font size based on the Dialog size</a:t>
+            </a:r>
+            <a:endParaRPr lang="en-IN" dirty="0"/>
+          </a:p>
+        </p:txBody>
+      </p:sp>
+      <p:sp>
+        <p:nvSpPr>
+          <p:cNvPr id="4" name="TextBox 3">
+            <a:extLst>
+              <a:ext uri="{FF2B5EF4-FFF2-40B4-BE49-F238E27FC236}">
+                <a16:creationId xmlns:a16="http://schemas.microsoft.com/office/drawing/2014/main" id="{81730D25-5A7F-46AD-8333-62EE3089AC33}"/>
+              </a:ext>
+            </a:extLst>
+          </p:cNvPr>
+          <p:cNvSpPr txBox="1"/>
+          <p:nvPr/>
+        </p:nvSpPr>
+        <p:spPr>
+          <a:xfrm>
+            <a:off x="564204" y="1557303"/>
+            <a:ext cx="6994186" cy="3693319"/>
+          </a:xfrm>
+          <a:prstGeom prst="rect">
+            <a:avLst/>
+          </a:prstGeom>
+          <a:noFill/>
+        </p:spPr>
+        <p:txBody>
+          <a:bodyPr wrap="square">
+            <a:spAutoFit/>
+          </a:bodyPr>
+          <a:lstStyle/>
+          <a:p>
+            <a:r>
+              <a:rPr lang="en-US" dirty="0"/>
+              <a:t>    property int </a:t>
+            </a:r>
+            <a:r>
+              <a:rPr lang="en-US" dirty="0" err="1"/>
+              <a:t>wHeight</a:t>
+            </a:r>
+            <a:r>
+              <a:rPr lang="en-US" dirty="0"/>
+              <a:t>   // height of window</a:t>
+            </a:r>
+          </a:p>
+          <a:p>
+            <a:r>
+              <a:rPr lang="en-US" dirty="0"/>
+              <a:t>    property int </a:t>
+            </a:r>
+            <a:r>
+              <a:rPr lang="en-US" dirty="0" err="1"/>
+              <a:t>wWidth</a:t>
+            </a:r>
+            <a:r>
+              <a:rPr lang="en-US" dirty="0"/>
+              <a:t>    // width of the window</a:t>
+            </a:r>
+            <a:endParaRPr lang="en-IN" dirty="0"/>
+          </a:p>
+          <a:p>
+            <a:endParaRPr lang="en-IN" dirty="0"/>
+          </a:p>
+          <a:p>
+            <a:r>
+              <a:rPr lang="en-IN" dirty="0"/>
+              <a:t>    // Font sizes</a:t>
+            </a:r>
+          </a:p>
+          <a:p>
+            <a:r>
+              <a:rPr lang="en-IN" dirty="0"/>
+              <a:t>    property real </a:t>
+            </a:r>
+            <a:r>
+              <a:rPr lang="en-IN" dirty="0" err="1"/>
+              <a:t>microFontSize</a:t>
+            </a:r>
+            <a:r>
+              <a:rPr lang="en-IN" dirty="0"/>
+              <a:t>: </a:t>
+            </a:r>
+            <a:r>
+              <a:rPr lang="en-IN" dirty="0" err="1"/>
+              <a:t>hugeFontSize</a:t>
+            </a:r>
+            <a:r>
+              <a:rPr lang="en-IN" dirty="0"/>
+              <a:t> * 0.2</a:t>
+            </a:r>
+          </a:p>
+          <a:p>
+            <a:r>
+              <a:rPr lang="en-IN" dirty="0"/>
+              <a:t>    property real </a:t>
+            </a:r>
+            <a:r>
+              <a:rPr lang="en-IN" dirty="0" err="1"/>
+              <a:t>tinyFontSize</a:t>
+            </a:r>
+            <a:r>
+              <a:rPr lang="en-IN" dirty="0"/>
+              <a:t>: </a:t>
+            </a:r>
+            <a:r>
+              <a:rPr lang="en-IN" dirty="0" err="1"/>
+              <a:t>hugeFontSize</a:t>
+            </a:r>
+            <a:r>
+              <a:rPr lang="en-IN" dirty="0"/>
+              <a:t> * 0.4</a:t>
+            </a:r>
+          </a:p>
+          <a:p>
+            <a:r>
+              <a:rPr lang="en-IN" dirty="0"/>
+              <a:t>    property real </a:t>
+            </a:r>
+            <a:r>
+              <a:rPr lang="en-IN" dirty="0" err="1"/>
+              <a:t>smallTinyFontSize</a:t>
+            </a:r>
+            <a:r>
+              <a:rPr lang="en-IN" dirty="0"/>
+              <a:t>: </a:t>
+            </a:r>
+            <a:r>
+              <a:rPr lang="en-IN" dirty="0" err="1"/>
+              <a:t>hugeFontSize</a:t>
+            </a:r>
+            <a:r>
+              <a:rPr lang="en-IN" dirty="0"/>
+              <a:t> * 0.5</a:t>
+            </a:r>
+          </a:p>
+          <a:p>
+            <a:r>
+              <a:rPr lang="en-IN" dirty="0"/>
+              <a:t>    property real </a:t>
+            </a:r>
+            <a:r>
+              <a:rPr lang="en-IN" dirty="0" err="1"/>
+              <a:t>smallFontSize</a:t>
+            </a:r>
+            <a:r>
+              <a:rPr lang="en-IN" dirty="0"/>
+              <a:t>: </a:t>
+            </a:r>
+            <a:r>
+              <a:rPr lang="en-IN" dirty="0" err="1"/>
+              <a:t>hugeFontSize</a:t>
+            </a:r>
+            <a:r>
+              <a:rPr lang="en-IN" dirty="0"/>
+              <a:t> * 0.6</a:t>
+            </a:r>
+          </a:p>
+          <a:p>
+            <a:r>
+              <a:rPr lang="en-IN" dirty="0"/>
+              <a:t>    property real </a:t>
+            </a:r>
+            <a:r>
+              <a:rPr lang="en-IN" dirty="0" err="1"/>
+              <a:t>mediumFontSize</a:t>
+            </a:r>
+            <a:r>
+              <a:rPr lang="en-IN" dirty="0"/>
+              <a:t>: </a:t>
+            </a:r>
+            <a:r>
+              <a:rPr lang="en-IN" dirty="0" err="1"/>
+              <a:t>hugeFontSize</a:t>
+            </a:r>
+            <a:r>
+              <a:rPr lang="en-IN" dirty="0"/>
+              <a:t> * 0.7</a:t>
+            </a:r>
+          </a:p>
+          <a:p>
+            <a:r>
+              <a:rPr lang="en-IN" dirty="0"/>
+              <a:t>    property real </a:t>
+            </a:r>
+            <a:r>
+              <a:rPr lang="en-IN" dirty="0" err="1"/>
+              <a:t>bigFontSize</a:t>
+            </a:r>
+            <a:r>
+              <a:rPr lang="en-IN" dirty="0"/>
+              <a:t>: </a:t>
+            </a:r>
+            <a:r>
+              <a:rPr lang="en-IN" dirty="0" err="1"/>
+              <a:t>hugeFontSize</a:t>
+            </a:r>
+            <a:r>
+              <a:rPr lang="en-IN" dirty="0"/>
+              <a:t> * 0.8</a:t>
+            </a:r>
+          </a:p>
+          <a:p>
+            <a:r>
+              <a:rPr lang="en-IN" dirty="0"/>
+              <a:t>    property real </a:t>
+            </a:r>
+            <a:r>
+              <a:rPr lang="en-IN" dirty="0" err="1"/>
+              <a:t>largeFontSize</a:t>
+            </a:r>
+            <a:r>
+              <a:rPr lang="en-IN" dirty="0"/>
+              <a:t>: </a:t>
+            </a:r>
+            <a:r>
+              <a:rPr lang="en-IN" dirty="0" err="1"/>
+              <a:t>hugeFontSize</a:t>
+            </a:r>
+            <a:r>
+              <a:rPr lang="en-IN" dirty="0"/>
+              <a:t> * 0.9</a:t>
+            </a:r>
+          </a:p>
+          <a:p>
+            <a:r>
+              <a:rPr lang="en-IN" dirty="0"/>
+              <a:t>    </a:t>
+            </a:r>
+            <a:r>
+              <a:rPr lang="en-IN" dirty="0">
+                <a:solidFill>
+                  <a:srgbClr val="00B050"/>
+                </a:solidFill>
+              </a:rPr>
+              <a:t>property real </a:t>
+            </a:r>
+            <a:r>
+              <a:rPr lang="en-IN" dirty="0" err="1">
+                <a:solidFill>
+                  <a:srgbClr val="00B050"/>
+                </a:solidFill>
+              </a:rPr>
+              <a:t>hugeFontSize</a:t>
+            </a:r>
+            <a:r>
+              <a:rPr lang="en-IN" dirty="0">
+                <a:solidFill>
+                  <a:srgbClr val="00B050"/>
+                </a:solidFill>
+              </a:rPr>
+              <a:t>: (</a:t>
+            </a:r>
+            <a:r>
+              <a:rPr lang="en-IN" dirty="0" err="1">
+                <a:solidFill>
+                  <a:srgbClr val="00B050"/>
+                </a:solidFill>
+              </a:rPr>
+              <a:t>wWidth</a:t>
+            </a:r>
+            <a:r>
+              <a:rPr lang="en-IN" dirty="0">
+                <a:solidFill>
+                  <a:srgbClr val="00B050"/>
+                </a:solidFill>
+              </a:rPr>
+              <a:t> + </a:t>
+            </a:r>
+            <a:r>
+              <a:rPr lang="en-IN" dirty="0" err="1">
+                <a:solidFill>
+                  <a:srgbClr val="00B050"/>
+                </a:solidFill>
+              </a:rPr>
+              <a:t>wHeight</a:t>
+            </a:r>
+            <a:r>
+              <a:rPr lang="en-IN" dirty="0">
+                <a:solidFill>
+                  <a:srgbClr val="00B050"/>
+                </a:solidFill>
+              </a:rPr>
+              <a:t>) * 0.03</a:t>
+            </a:r>
+          </a:p>
+          <a:p>
+            <a:r>
+              <a:rPr lang="en-IN" dirty="0">
+                <a:solidFill>
+                  <a:srgbClr val="00B050"/>
+                </a:solidFill>
+              </a:rPr>
+              <a:t>    property real </a:t>
+            </a:r>
+            <a:r>
+              <a:rPr lang="en-IN" dirty="0" err="1">
+                <a:solidFill>
+                  <a:srgbClr val="00B050"/>
+                </a:solidFill>
+              </a:rPr>
+              <a:t>giganticFontSize</a:t>
+            </a:r>
+            <a:r>
+              <a:rPr lang="en-IN" dirty="0">
+                <a:solidFill>
+                  <a:srgbClr val="00B050"/>
+                </a:solidFill>
+              </a:rPr>
+              <a:t>: (</a:t>
+            </a:r>
+            <a:r>
+              <a:rPr lang="en-IN" dirty="0" err="1">
+                <a:solidFill>
+                  <a:srgbClr val="00B050"/>
+                </a:solidFill>
+              </a:rPr>
+              <a:t>wWidth</a:t>
+            </a:r>
+            <a:r>
+              <a:rPr lang="en-IN" dirty="0">
+                <a:solidFill>
+                  <a:srgbClr val="00B050"/>
+                </a:solidFill>
+              </a:rPr>
+              <a:t> + </a:t>
+            </a:r>
+            <a:r>
+              <a:rPr lang="en-IN" dirty="0" err="1">
+                <a:solidFill>
+                  <a:srgbClr val="00B050"/>
+                </a:solidFill>
+              </a:rPr>
+              <a:t>wHeight</a:t>
+            </a:r>
+            <a:r>
+              <a:rPr lang="en-IN" dirty="0">
+                <a:solidFill>
+                  <a:srgbClr val="00B050"/>
+                </a:solidFill>
+              </a:rPr>
+              <a:t>) * 0.04</a:t>
+            </a:r>
+          </a:p>
+        </p:txBody>
+      </p:sp>
+      <p:sp>
+        <p:nvSpPr>
+          <p:cNvPr id="7" name="TextBox 6">
+            <a:extLst>
+              <a:ext uri="{FF2B5EF4-FFF2-40B4-BE49-F238E27FC236}">
+                <a16:creationId xmlns:a16="http://schemas.microsoft.com/office/drawing/2014/main" id="{2A84548D-569E-42F6-9345-732D0DF6EF84}"/>
+              </a:ext>
+            </a:extLst>
+          </p:cNvPr>
+          <p:cNvSpPr txBox="1"/>
+          <p:nvPr/>
+        </p:nvSpPr>
+        <p:spPr>
+          <a:xfrm>
+            <a:off x="787940" y="5514148"/>
+            <a:ext cx="5038926" cy="1200329"/>
+          </a:xfrm>
+          <a:prstGeom prst="rect">
+            <a:avLst/>
+          </a:prstGeom>
+          <a:noFill/>
+        </p:spPr>
+        <p:txBody>
+          <a:bodyPr wrap="square">
+            <a:spAutoFit/>
+          </a:bodyPr>
+          <a:lstStyle/>
+          <a:p>
+            <a:r>
+              <a:rPr lang="en-IN" dirty="0"/>
+              <a:t>// Uses </a:t>
+            </a:r>
+          </a:p>
+          <a:p>
+            <a:r>
+              <a:rPr lang="en-IN" dirty="0"/>
+              <a:t>Text {</a:t>
+            </a:r>
+          </a:p>
+          <a:p>
+            <a:r>
+              <a:rPr lang="en-IN" dirty="0"/>
+              <a:t>      </a:t>
+            </a:r>
+            <a:r>
+              <a:rPr lang="en-IN" dirty="0" err="1"/>
+              <a:t>font.pixelSize</a:t>
+            </a:r>
+            <a:r>
+              <a:rPr lang="en-IN" dirty="0"/>
+              <a:t>: </a:t>
+            </a:r>
+            <a:r>
+              <a:rPr lang="en-IN" dirty="0" err="1"/>
+              <a:t>GameSettings.tinyFontSize</a:t>
+            </a:r>
+            <a:endParaRPr lang="en-IN" dirty="0"/>
+          </a:p>
+          <a:p>
+            <a:r>
+              <a:rPr lang="en-IN" dirty="0"/>
+              <a:t>}</a:t>
+            </a:r>
+          </a:p>
+        </p:txBody>
+      </p:sp>
     </p:spTree>
     <p:extLst>
       <p:ext uri="{BB962C8B-B14F-4D97-AF65-F5344CB8AC3E}">

--- a/learnings.pptx
+++ b/learnings.pptx
@@ -8,10 +8,10 @@
     <p:sldMasterId id="2147483684" r:id="rId4"/>
   </p:sldMasterIdLst>
   <p:notesMasterIdLst>
-    <p:notesMasterId r:id="rId17"/>
+    <p:notesMasterId r:id="rId27"/>
   </p:notesMasterIdLst>
   <p:handoutMasterIdLst>
-    <p:handoutMasterId r:id="rId18"/>
+    <p:handoutMasterId r:id="rId28"/>
   </p:handoutMasterIdLst>
   <p:sldIdLst>
     <p:sldId id="256" r:id="rId5"/>
@@ -26,6 +26,16 @@
     <p:sldId id="265" r:id="rId14"/>
     <p:sldId id="266" r:id="rId15"/>
     <p:sldId id="267" r:id="rId16"/>
+    <p:sldId id="268" r:id="rId17"/>
+    <p:sldId id="270" r:id="rId18"/>
+    <p:sldId id="271" r:id="rId19"/>
+    <p:sldId id="272" r:id="rId20"/>
+    <p:sldId id="273" r:id="rId21"/>
+    <p:sldId id="274" r:id="rId22"/>
+    <p:sldId id="275" r:id="rId23"/>
+    <p:sldId id="276" r:id="rId24"/>
+    <p:sldId id="277" r:id="rId25"/>
+    <p:sldId id="278" r:id="rId26"/>
   </p:sldIdLst>
   <p:sldSz cx="10080625" cy="7559675"/>
   <p:notesSz cx="7559675" cy="10691813"/>
@@ -14813,6 +14823,108 @@
           <a:chExt cx="0" cy="0"/>
         </a:xfrm>
       </p:grpSpPr>
+      <p:sp>
+        <p:nvSpPr>
+          <p:cNvPr id="2" name="Rectangle 1">
+            <a:extLst>
+              <a:ext uri="{FF2B5EF4-FFF2-40B4-BE49-F238E27FC236}">
+                <a16:creationId xmlns:a16="http://schemas.microsoft.com/office/drawing/2014/main" id="{1BA3E7C6-94F7-490A-BE83-37574F4A02BE}"/>
+              </a:ext>
+            </a:extLst>
+          </p:cNvPr>
+          <p:cNvSpPr/>
+          <p:nvPr/>
+        </p:nvSpPr>
+        <p:spPr>
+          <a:xfrm>
+            <a:off x="651753" y="466928"/>
+            <a:ext cx="8200417" cy="661481"/>
+          </a:xfrm>
+          <a:prstGeom prst="rect">
+            <a:avLst/>
+          </a:prstGeom>
+        </p:spPr>
+        <p:style>
+          <a:lnRef idx="2">
+            <a:schemeClr val="accent1">
+              <a:shade val="50000"/>
+            </a:schemeClr>
+          </a:lnRef>
+          <a:fillRef idx="1">
+            <a:schemeClr val="accent1"/>
+          </a:fillRef>
+          <a:effectRef idx="0">
+            <a:schemeClr val="accent1"/>
+          </a:effectRef>
+          <a:fontRef idx="minor">
+            <a:schemeClr val="lt1"/>
+          </a:fontRef>
+        </p:style>
+        <p:txBody>
+          <a:bodyPr rtlCol="0" anchor="ctr"/>
+          <a:lstStyle/>
+          <a:p>
+            <a:pPr algn="ctr"/>
+            <a:r>
+              <a:rPr lang="en-US" dirty="0"/>
+              <a:t>Custom controls are used for changing default controls based on the needs</a:t>
+            </a:r>
+            <a:endParaRPr lang="en-IN" dirty="0"/>
+          </a:p>
+        </p:txBody>
+      </p:sp>
+      <p:sp>
+        <p:nvSpPr>
+          <p:cNvPr id="3" name="TextBox 2">
+            <a:extLst>
+              <a:ext uri="{FF2B5EF4-FFF2-40B4-BE49-F238E27FC236}">
+                <a16:creationId xmlns:a16="http://schemas.microsoft.com/office/drawing/2014/main" id="{A09EB6D5-FF65-416C-AEA1-ED8F11537500}"/>
+              </a:ext>
+            </a:extLst>
+          </p:cNvPr>
+          <p:cNvSpPr txBox="1"/>
+          <p:nvPr/>
+        </p:nvSpPr>
+        <p:spPr>
+          <a:xfrm>
+            <a:off x="651753" y="1342417"/>
+            <a:ext cx="8297694" cy="923330"/>
+          </a:xfrm>
+          <a:prstGeom prst="rect">
+            <a:avLst/>
+          </a:prstGeom>
+          <a:noFill/>
+        </p:spPr>
+        <p:txBody>
+          <a:bodyPr wrap="square" rtlCol="0">
+            <a:spAutoFit/>
+          </a:bodyPr>
+          <a:lstStyle/>
+          <a:p>
+            <a:r>
+              <a:rPr lang="en-US" dirty="0"/>
+              <a:t>Go to </a:t>
+            </a:r>
+            <a:r>
+              <a:rPr lang="en-US" b="1" dirty="0" err="1"/>
+              <a:t>Itemdelegate</a:t>
+            </a:r>
+            <a:r>
+              <a:rPr lang="en-US" dirty="0"/>
+              <a:t> help documentation. There is link for customize </a:t>
+            </a:r>
+            <a:r>
+              <a:rPr lang="en-US" dirty="0" err="1"/>
+              <a:t>Itemdelegate</a:t>
+            </a:r>
+            <a:r>
+              <a:rPr lang="en-US" dirty="0"/>
+              <a:t>. Follow that documentation and you will find that there is example of how to customize each control that’s available in QML. </a:t>
+            </a:r>
+            <a:endParaRPr lang="en-IN" dirty="0"/>
+          </a:p>
+        </p:txBody>
+      </p:sp>
     </p:spTree>
     <p:extLst>
       <p:ext uri="{BB962C8B-B14F-4D97-AF65-F5344CB8AC3E}">
@@ -14843,6 +14955,486 @@
           <a:chExt cx="0" cy="0"/>
         </a:xfrm>
       </p:grpSpPr>
+      <p:sp>
+        <p:nvSpPr>
+          <p:cNvPr id="2" name="Rectangle 1">
+            <a:extLst>
+              <a:ext uri="{FF2B5EF4-FFF2-40B4-BE49-F238E27FC236}">
+                <a16:creationId xmlns:a16="http://schemas.microsoft.com/office/drawing/2014/main" id="{BC84C1D9-001B-4F9F-99AE-0BB2489B5B40}"/>
+              </a:ext>
+            </a:extLst>
+          </p:cNvPr>
+          <p:cNvSpPr/>
+          <p:nvPr/>
+        </p:nvSpPr>
+        <p:spPr>
+          <a:xfrm>
+            <a:off x="464820" y="342900"/>
+            <a:ext cx="8542020" cy="472440"/>
+          </a:xfrm>
+          <a:prstGeom prst="rect">
+            <a:avLst/>
+          </a:prstGeom>
+        </p:spPr>
+        <p:style>
+          <a:lnRef idx="2">
+            <a:schemeClr val="accent1">
+              <a:shade val="50000"/>
+            </a:schemeClr>
+          </a:lnRef>
+          <a:fillRef idx="1">
+            <a:schemeClr val="accent1"/>
+          </a:fillRef>
+          <a:effectRef idx="0">
+            <a:schemeClr val="accent1"/>
+          </a:effectRef>
+          <a:fontRef idx="minor">
+            <a:schemeClr val="lt1"/>
+          </a:fontRef>
+        </p:style>
+        <p:txBody>
+          <a:bodyPr rtlCol="0" anchor="ctr"/>
+          <a:lstStyle/>
+          <a:p>
+            <a:pPr algn="ctr"/>
+            <a:r>
+              <a:rPr lang="en-US" sz="1600" dirty="0"/>
+              <a:t>Exposing C++ to QML (Creating objects as properties)</a:t>
+            </a:r>
+            <a:endParaRPr lang="en-IN" sz="1600" dirty="0"/>
+          </a:p>
+        </p:txBody>
+      </p:sp>
+      <p:sp>
+        <p:nvSpPr>
+          <p:cNvPr id="3" name="TextBox 2">
+            <a:extLst>
+              <a:ext uri="{FF2B5EF4-FFF2-40B4-BE49-F238E27FC236}">
+                <a16:creationId xmlns:a16="http://schemas.microsoft.com/office/drawing/2014/main" id="{ED55441A-A382-4423-B8DF-A33BB85B1F53}"/>
+              </a:ext>
+            </a:extLst>
+          </p:cNvPr>
+          <p:cNvSpPr txBox="1"/>
+          <p:nvPr/>
+        </p:nvSpPr>
+        <p:spPr>
+          <a:xfrm>
+            <a:off x="381000" y="1165860"/>
+            <a:ext cx="8237220" cy="2616101"/>
+          </a:xfrm>
+          <a:prstGeom prst="rect">
+            <a:avLst/>
+          </a:prstGeom>
+          <a:noFill/>
+        </p:spPr>
+        <p:txBody>
+          <a:bodyPr wrap="square" rtlCol="0">
+            <a:spAutoFit/>
+          </a:bodyPr>
+          <a:lstStyle/>
+          <a:p>
+            <a:r>
+              <a:rPr lang="en-US" sz="1600" dirty="0"/>
+              <a:t>When you expose any </a:t>
+            </a:r>
+            <a:r>
+              <a:rPr lang="en-US" sz="1600" dirty="0" err="1"/>
+              <a:t>c++</a:t>
+            </a:r>
+            <a:r>
+              <a:rPr lang="en-US" sz="1600" dirty="0"/>
+              <a:t> class to QML you derive it from </a:t>
+            </a:r>
+            <a:r>
+              <a:rPr lang="en-US" sz="1600" dirty="0" err="1"/>
+              <a:t>QObject</a:t>
+            </a:r>
+            <a:r>
+              <a:rPr lang="en-US" sz="1600" dirty="0"/>
+              <a:t>.</a:t>
+            </a:r>
+          </a:p>
+          <a:p>
+            <a:r>
+              <a:rPr lang="en-US" sz="1600" dirty="0"/>
+              <a:t>This class can have properties. </a:t>
+            </a:r>
+          </a:p>
+          <a:p>
+            <a:r>
+              <a:rPr lang="en-US" sz="1600" dirty="0"/>
+              <a:t>Property can be another class object. This Another class object must also be derived from </a:t>
+            </a:r>
+            <a:r>
+              <a:rPr lang="en-US" sz="1600" dirty="0" err="1"/>
+              <a:t>QObject</a:t>
+            </a:r>
+            <a:r>
+              <a:rPr lang="en-US" sz="1600" dirty="0"/>
+              <a:t>.</a:t>
+            </a:r>
+          </a:p>
+          <a:p>
+            <a:r>
+              <a:rPr lang="en-US" sz="1600" dirty="0"/>
+              <a:t>While you can have this another class object as member, you must return its pointer to QML world. (This is important because QML cannot take object reference and is not responsible for memory management of that property)</a:t>
+            </a:r>
+          </a:p>
+          <a:p>
+            <a:endParaRPr lang="en-US" sz="1600" dirty="0"/>
+          </a:p>
+          <a:p>
+            <a:endParaRPr lang="en-US" sz="1600" dirty="0"/>
+          </a:p>
+          <a:p>
+            <a:endParaRPr lang="en-IN" sz="1600" dirty="0"/>
+          </a:p>
+        </p:txBody>
+      </p:sp>
+      <p:sp>
+        <p:nvSpPr>
+          <p:cNvPr id="5" name="TextBox 4">
+            <a:extLst>
+              <a:ext uri="{FF2B5EF4-FFF2-40B4-BE49-F238E27FC236}">
+                <a16:creationId xmlns:a16="http://schemas.microsoft.com/office/drawing/2014/main" id="{C2AEA368-9F09-4883-80E6-C8FE9DFF4A3A}"/>
+              </a:ext>
+            </a:extLst>
+          </p:cNvPr>
+          <p:cNvSpPr txBox="1"/>
+          <p:nvPr/>
+        </p:nvSpPr>
+        <p:spPr>
+          <a:xfrm>
+            <a:off x="464820" y="3085217"/>
+            <a:ext cx="5040630" cy="3308598"/>
+          </a:xfrm>
+          <a:prstGeom prst="rect">
+            <a:avLst/>
+          </a:prstGeom>
+          <a:noFill/>
+        </p:spPr>
+        <p:txBody>
+          <a:bodyPr wrap="square">
+            <a:spAutoFit/>
+          </a:bodyPr>
+          <a:lstStyle/>
+          <a:p>
+            <a:r>
+              <a:rPr lang="en-IN" sz="1100" dirty="0"/>
+              <a:t>class Person : public </a:t>
+            </a:r>
+            <a:r>
+              <a:rPr lang="en-IN" sz="1100" dirty="0" err="1"/>
+              <a:t>QObject</a:t>
+            </a:r>
+            <a:endParaRPr lang="en-IN" sz="1100" dirty="0"/>
+          </a:p>
+          <a:p>
+            <a:r>
+              <a:rPr lang="en-IN" sz="1100" dirty="0"/>
+              <a:t>{</a:t>
+            </a:r>
+          </a:p>
+          <a:p>
+            <a:r>
+              <a:rPr lang="en-IN" sz="1100" dirty="0"/>
+              <a:t>    Q_OBJECT</a:t>
+            </a:r>
+          </a:p>
+          <a:p>
+            <a:r>
+              <a:rPr lang="en-IN" sz="1100" dirty="0"/>
+              <a:t>    Q_PROPERTY(</a:t>
+            </a:r>
+            <a:r>
+              <a:rPr lang="en-IN" sz="1100" dirty="0" err="1"/>
+              <a:t>QString</a:t>
+            </a:r>
+            <a:r>
+              <a:rPr lang="en-IN" sz="1100" dirty="0"/>
+              <a:t> name READ name WRITE </a:t>
+            </a:r>
+            <a:r>
+              <a:rPr lang="en-IN" sz="1100" dirty="0" err="1"/>
+              <a:t>setName</a:t>
+            </a:r>
+            <a:r>
+              <a:rPr lang="en-IN" sz="1100" dirty="0"/>
+              <a:t> NOTIFY </a:t>
+            </a:r>
+            <a:r>
+              <a:rPr lang="en-IN" sz="1100" dirty="0" err="1"/>
+              <a:t>nameChanged</a:t>
+            </a:r>
+            <a:r>
+              <a:rPr lang="en-IN" sz="1100" dirty="0"/>
+              <a:t>)</a:t>
+            </a:r>
+          </a:p>
+          <a:p>
+            <a:r>
+              <a:rPr lang="en-IN" sz="1100" dirty="0"/>
+              <a:t>    </a:t>
+            </a:r>
+            <a:r>
+              <a:rPr lang="en-IN" sz="1100" b="1" dirty="0"/>
+              <a:t>Q_PROPERTY(</a:t>
+            </a:r>
+            <a:r>
+              <a:rPr lang="en-IN" sz="1100" b="1" dirty="0" err="1"/>
+              <a:t>ShoeDescription</a:t>
+            </a:r>
+            <a:r>
+              <a:rPr lang="en-IN" sz="1100" b="1" dirty="0"/>
+              <a:t> *shoe READ shoe CONSTANT)</a:t>
+            </a:r>
+          </a:p>
+          <a:p>
+            <a:r>
+              <a:rPr lang="en-IN" sz="1100" dirty="0"/>
+              <a:t>public:</a:t>
+            </a:r>
+          </a:p>
+          <a:p>
+            <a:r>
+              <a:rPr lang="en-IN" sz="1100" dirty="0"/>
+              <a:t>    Person(</a:t>
+            </a:r>
+            <a:r>
+              <a:rPr lang="en-IN" sz="1100" dirty="0" err="1"/>
+              <a:t>QObject</a:t>
+            </a:r>
+            <a:r>
+              <a:rPr lang="en-IN" sz="1100" dirty="0"/>
+              <a:t> *parent = </a:t>
+            </a:r>
+            <a:r>
+              <a:rPr lang="en-IN" sz="1100" dirty="0" err="1"/>
+              <a:t>nullptr</a:t>
+            </a:r>
+            <a:r>
+              <a:rPr lang="en-IN" sz="1100" dirty="0"/>
+              <a:t>);</a:t>
+            </a:r>
+          </a:p>
+          <a:p>
+            <a:endParaRPr lang="en-IN" sz="1100" dirty="0"/>
+          </a:p>
+          <a:p>
+            <a:r>
+              <a:rPr lang="en-IN" sz="1100" dirty="0"/>
+              <a:t>    </a:t>
+            </a:r>
+            <a:r>
+              <a:rPr lang="en-IN" sz="1100" dirty="0" err="1"/>
+              <a:t>QString</a:t>
+            </a:r>
+            <a:r>
+              <a:rPr lang="en-IN" sz="1100" dirty="0"/>
+              <a:t> name() </a:t>
+            </a:r>
+            <a:r>
+              <a:rPr lang="en-IN" sz="1100" dirty="0" err="1"/>
+              <a:t>const</a:t>
+            </a:r>
+            <a:r>
+              <a:rPr lang="en-IN" sz="1100" dirty="0"/>
+              <a:t>;</a:t>
+            </a:r>
+          </a:p>
+          <a:p>
+            <a:r>
+              <a:rPr lang="en-IN" sz="1100" dirty="0"/>
+              <a:t>    void </a:t>
+            </a:r>
+            <a:r>
+              <a:rPr lang="en-IN" sz="1100" dirty="0" err="1"/>
+              <a:t>setName</a:t>
+            </a:r>
+            <a:r>
+              <a:rPr lang="en-IN" sz="1100" dirty="0"/>
+              <a:t>(</a:t>
+            </a:r>
+            <a:r>
+              <a:rPr lang="en-IN" sz="1100" dirty="0" err="1"/>
+              <a:t>const</a:t>
+            </a:r>
+            <a:r>
+              <a:rPr lang="en-IN" sz="1100" dirty="0"/>
+              <a:t> </a:t>
+            </a:r>
+            <a:r>
+              <a:rPr lang="en-IN" sz="1100" dirty="0" err="1"/>
+              <a:t>QString</a:t>
+            </a:r>
+            <a:r>
+              <a:rPr lang="en-IN" sz="1100" dirty="0"/>
+              <a:t> &amp;);</a:t>
+            </a:r>
+          </a:p>
+          <a:p>
+            <a:endParaRPr lang="en-IN" sz="1100" dirty="0"/>
+          </a:p>
+          <a:p>
+            <a:r>
+              <a:rPr lang="en-IN" sz="1100" dirty="0"/>
+              <a:t>    </a:t>
+            </a:r>
+            <a:r>
+              <a:rPr lang="en-IN" sz="1100" dirty="0" err="1"/>
+              <a:t>ShoeDescription</a:t>
+            </a:r>
+            <a:r>
+              <a:rPr lang="en-IN" sz="1100" dirty="0"/>
+              <a:t> *shoe();</a:t>
+            </a:r>
+          </a:p>
+          <a:p>
+            <a:r>
+              <a:rPr lang="en-IN" sz="1100" dirty="0"/>
+              <a:t>signals:</a:t>
+            </a:r>
+          </a:p>
+          <a:p>
+            <a:r>
+              <a:rPr lang="en-IN" sz="1100" dirty="0"/>
+              <a:t>    void </a:t>
+            </a:r>
+            <a:r>
+              <a:rPr lang="en-IN" sz="1100" dirty="0" err="1"/>
+              <a:t>nameChanged</a:t>
+            </a:r>
+            <a:r>
+              <a:rPr lang="en-IN" sz="1100" dirty="0"/>
+              <a:t>();</a:t>
+            </a:r>
+          </a:p>
+          <a:p>
+            <a:endParaRPr lang="en-IN" sz="1100" dirty="0"/>
+          </a:p>
+          <a:p>
+            <a:r>
+              <a:rPr lang="en-IN" sz="1100" dirty="0"/>
+              <a:t>private:</a:t>
+            </a:r>
+          </a:p>
+          <a:p>
+            <a:r>
+              <a:rPr lang="en-IN" sz="1100" dirty="0"/>
+              <a:t>    </a:t>
+            </a:r>
+            <a:r>
+              <a:rPr lang="en-IN" sz="1100" dirty="0" err="1"/>
+              <a:t>QString</a:t>
+            </a:r>
+            <a:r>
+              <a:rPr lang="en-IN" sz="1100" dirty="0"/>
+              <a:t> </a:t>
+            </a:r>
+            <a:r>
+              <a:rPr lang="en-IN" sz="1100" dirty="0" err="1"/>
+              <a:t>m_name</a:t>
+            </a:r>
+            <a:r>
+              <a:rPr lang="en-IN" sz="1100" dirty="0"/>
+              <a:t>;</a:t>
+            </a:r>
+          </a:p>
+          <a:p>
+            <a:r>
+              <a:rPr lang="en-IN" sz="1100" dirty="0"/>
+              <a:t>    </a:t>
+            </a:r>
+            <a:r>
+              <a:rPr lang="en-IN" sz="1100" b="1" dirty="0" err="1"/>
+              <a:t>ShoeDescription</a:t>
+            </a:r>
+            <a:r>
+              <a:rPr lang="en-IN" sz="1100" b="1" dirty="0"/>
+              <a:t> </a:t>
+            </a:r>
+            <a:r>
+              <a:rPr lang="en-IN" sz="1100" b="1" dirty="0" err="1"/>
+              <a:t>m_shoe</a:t>
+            </a:r>
+            <a:r>
+              <a:rPr lang="en-IN" sz="1100" b="1" dirty="0"/>
+              <a:t>;</a:t>
+            </a:r>
+          </a:p>
+          <a:p>
+            <a:r>
+              <a:rPr lang="en-IN" sz="1100" dirty="0"/>
+              <a:t>};</a:t>
+            </a:r>
+          </a:p>
+        </p:txBody>
+      </p:sp>
+      <p:sp>
+        <p:nvSpPr>
+          <p:cNvPr id="7" name="TextBox 6">
+            <a:extLst>
+              <a:ext uri="{FF2B5EF4-FFF2-40B4-BE49-F238E27FC236}">
+                <a16:creationId xmlns:a16="http://schemas.microsoft.com/office/drawing/2014/main" id="{1943FA3C-47C0-48B7-ACEF-72C576A4FA12}"/>
+              </a:ext>
+            </a:extLst>
+          </p:cNvPr>
+          <p:cNvSpPr txBox="1"/>
+          <p:nvPr/>
+        </p:nvSpPr>
+        <p:spPr>
+          <a:xfrm>
+            <a:off x="4303395" y="4390936"/>
+            <a:ext cx="5040630" cy="1200329"/>
+          </a:xfrm>
+          <a:prstGeom prst="rect">
+            <a:avLst/>
+          </a:prstGeom>
+          <a:noFill/>
+        </p:spPr>
+        <p:txBody>
+          <a:bodyPr wrap="square">
+            <a:spAutoFit/>
+          </a:bodyPr>
+          <a:lstStyle/>
+          <a:p>
+            <a:r>
+              <a:rPr lang="en-IN" dirty="0" err="1"/>
+              <a:t>ShoeDescription</a:t>
+            </a:r>
+            <a:r>
+              <a:rPr lang="en-IN" dirty="0"/>
+              <a:t> *Person::shoe()</a:t>
+            </a:r>
+          </a:p>
+          <a:p>
+            <a:r>
+              <a:rPr lang="en-IN" dirty="0"/>
+              <a:t>{</a:t>
+            </a:r>
+          </a:p>
+          <a:p>
+            <a:r>
+              <a:rPr lang="en-IN" dirty="0"/>
+              <a:t>    return &amp;</a:t>
+            </a:r>
+            <a:r>
+              <a:rPr lang="en-IN" dirty="0" err="1"/>
+              <a:t>m_shoe</a:t>
+            </a:r>
+            <a:r>
+              <a:rPr lang="en-IN" dirty="0"/>
+              <a:t>;</a:t>
+            </a:r>
+          </a:p>
+          <a:p>
+            <a:r>
+              <a:rPr lang="en-IN" dirty="0"/>
+              <a:t>}</a:t>
+            </a:r>
+          </a:p>
+        </p:txBody>
+      </p:sp>
     </p:spTree>
     <p:extLst>
       <p:ext uri="{BB962C8B-B14F-4D97-AF65-F5344CB8AC3E}">
@@ -14873,10 +15465,1833 @@
           <a:chExt cx="0" cy="0"/>
         </a:xfrm>
       </p:grpSpPr>
+      <p:pic>
+        <p:nvPicPr>
+          <p:cNvPr id="3" name="Picture 2">
+            <a:extLst>
+              <a:ext uri="{FF2B5EF4-FFF2-40B4-BE49-F238E27FC236}">
+                <a16:creationId xmlns:a16="http://schemas.microsoft.com/office/drawing/2014/main" id="{08B4319B-7DDC-4326-82F0-5D8A810216D3}"/>
+              </a:ext>
+            </a:extLst>
+          </p:cNvPr>
+          <p:cNvPicPr>
+            <a:picLocks noChangeAspect="1"/>
+          </p:cNvPicPr>
+          <p:nvPr/>
+        </p:nvPicPr>
+        <p:blipFill>
+          <a:blip r:embed="rId2"/>
+          <a:stretch>
+            <a:fillRect/>
+          </a:stretch>
+        </p:blipFill>
+        <p:spPr>
+          <a:xfrm>
+            <a:off x="2617979" y="3865840"/>
+            <a:ext cx="4394426" cy="2298818"/>
+          </a:xfrm>
+          <a:prstGeom prst="rect">
+            <a:avLst/>
+          </a:prstGeom>
+        </p:spPr>
+      </p:pic>
+      <p:sp>
+        <p:nvSpPr>
+          <p:cNvPr id="5" name="TextBox 4">
+            <a:extLst>
+              <a:ext uri="{FF2B5EF4-FFF2-40B4-BE49-F238E27FC236}">
+                <a16:creationId xmlns:a16="http://schemas.microsoft.com/office/drawing/2014/main" id="{172EC266-CFFE-4D81-B2FE-9F5D8BE691E2}"/>
+              </a:ext>
+            </a:extLst>
+          </p:cNvPr>
+          <p:cNvSpPr txBox="1"/>
+          <p:nvPr/>
+        </p:nvSpPr>
+        <p:spPr>
+          <a:xfrm>
+            <a:off x="885218" y="2114092"/>
+            <a:ext cx="7529208" cy="1200329"/>
+          </a:xfrm>
+          <a:prstGeom prst="rect">
+            <a:avLst/>
+          </a:prstGeom>
+          <a:noFill/>
+        </p:spPr>
+        <p:txBody>
+          <a:bodyPr wrap="square">
+            <a:spAutoFit/>
+          </a:bodyPr>
+          <a:lstStyle/>
+          <a:p>
+            <a:r>
+              <a:rPr lang="en-US" b="0" i="0" dirty="0">
+                <a:solidFill>
+                  <a:srgbClr val="24292E"/>
+                </a:solidFill>
+                <a:effectLst/>
+                <a:latin typeface="-apple-system"/>
+              </a:rPr>
+              <a:t>This is a library of QML widgets implementing Google's </a:t>
+            </a:r>
+            <a:r>
+              <a:rPr lang="en-US" b="0" i="0" u="none" strike="noStrike" dirty="0">
+                <a:effectLst/>
+                <a:latin typeface="-apple-system"/>
+                <a:hlinkClick r:id="rId3"/>
+              </a:rPr>
+              <a:t>Material Design</a:t>
+            </a:r>
+            <a:r>
+              <a:rPr lang="en-US" b="0" i="0" dirty="0">
+                <a:solidFill>
+                  <a:srgbClr val="24292E"/>
+                </a:solidFill>
+                <a:effectLst/>
+                <a:latin typeface="-apple-system"/>
+              </a:rPr>
+              <a:t>. It is completely cross platform, and runs on Linux, OS X, and Windows. It may also run on iOS and Android, though those platforms have not been tested and are not currently officially supported.</a:t>
+            </a:r>
+            <a:endParaRPr lang="en-IN" dirty="0"/>
+          </a:p>
+        </p:txBody>
+      </p:sp>
+      <p:sp>
+        <p:nvSpPr>
+          <p:cNvPr id="6" name="Rectangle 5">
+            <a:extLst>
+              <a:ext uri="{FF2B5EF4-FFF2-40B4-BE49-F238E27FC236}">
+                <a16:creationId xmlns:a16="http://schemas.microsoft.com/office/drawing/2014/main" id="{B5A45D3B-E846-41C5-88B3-910DB27E0872}"/>
+              </a:ext>
+            </a:extLst>
+          </p:cNvPr>
+          <p:cNvSpPr/>
+          <p:nvPr/>
+        </p:nvSpPr>
+        <p:spPr>
+          <a:xfrm>
+            <a:off x="1079770" y="778213"/>
+            <a:ext cx="7782128" cy="447472"/>
+          </a:xfrm>
+          <a:prstGeom prst="rect">
+            <a:avLst/>
+          </a:prstGeom>
+        </p:spPr>
+        <p:style>
+          <a:lnRef idx="2">
+            <a:schemeClr val="accent1">
+              <a:shade val="50000"/>
+            </a:schemeClr>
+          </a:lnRef>
+          <a:fillRef idx="1">
+            <a:schemeClr val="accent1"/>
+          </a:fillRef>
+          <a:effectRef idx="0">
+            <a:schemeClr val="accent1"/>
+          </a:effectRef>
+          <a:fontRef idx="minor">
+            <a:schemeClr val="lt1"/>
+          </a:fontRef>
+        </p:style>
+        <p:txBody>
+          <a:bodyPr rtlCol="0" anchor="ctr"/>
+          <a:lstStyle/>
+          <a:p>
+            <a:pPr algn="ctr"/>
+            <a:r>
+              <a:rPr lang="en-US" dirty="0"/>
+              <a:t>Third Party Material library for beautiful components</a:t>
+            </a:r>
+            <a:endParaRPr lang="en-IN" dirty="0"/>
+          </a:p>
+        </p:txBody>
+      </p:sp>
     </p:spTree>
     <p:extLst>
       <p:ext uri="{BB962C8B-B14F-4D97-AF65-F5344CB8AC3E}">
         <p14:creationId xmlns:p14="http://schemas.microsoft.com/office/powerpoint/2010/main" val="1633178904"/>
+      </p:ext>
+    </p:extLst>
+  </p:cSld>
+  <p:clrMapOvr>
+    <a:masterClrMapping/>
+  </p:clrMapOvr>
+</p:sld>
+</file>
+
+<file path=ppt/slides/slide13.xml><?xml version="1.0" encoding="utf-8"?>
+<p:sld xmlns:a="http://schemas.openxmlformats.org/drawingml/2006/main" xmlns:r="http://schemas.openxmlformats.org/officeDocument/2006/relationships" xmlns:p="http://schemas.openxmlformats.org/presentationml/2006/main">
+  <p:cSld>
+    <p:spTree>
+      <p:nvGrpSpPr>
+        <p:cNvPr id="1" name=""/>
+        <p:cNvGrpSpPr/>
+        <p:nvPr/>
+      </p:nvGrpSpPr>
+      <p:grpSpPr>
+        <a:xfrm>
+          <a:off x="0" y="0"/>
+          <a:ext cx="0" cy="0"/>
+          <a:chOff x="0" y="0"/>
+          <a:chExt cx="0" cy="0"/>
+        </a:xfrm>
+      </p:grpSpPr>
+      <p:sp>
+        <p:nvSpPr>
+          <p:cNvPr id="2" name="Rectangle 1">
+            <a:extLst>
+              <a:ext uri="{FF2B5EF4-FFF2-40B4-BE49-F238E27FC236}">
+                <a16:creationId xmlns:a16="http://schemas.microsoft.com/office/drawing/2014/main" id="{745CAD72-12D3-4A4F-8C47-EAA194390FF6}"/>
+              </a:ext>
+            </a:extLst>
+          </p:cNvPr>
+          <p:cNvSpPr/>
+          <p:nvPr/>
+        </p:nvSpPr>
+        <p:spPr>
+          <a:xfrm>
+            <a:off x="291830" y="184825"/>
+            <a:ext cx="7723762" cy="564204"/>
+          </a:xfrm>
+          <a:prstGeom prst="rect">
+            <a:avLst/>
+          </a:prstGeom>
+        </p:spPr>
+        <p:style>
+          <a:lnRef idx="2">
+            <a:schemeClr val="accent1">
+              <a:shade val="50000"/>
+            </a:schemeClr>
+          </a:lnRef>
+          <a:fillRef idx="1">
+            <a:schemeClr val="accent1"/>
+          </a:fillRef>
+          <a:effectRef idx="0">
+            <a:schemeClr val="accent1"/>
+          </a:effectRef>
+          <a:fontRef idx="minor">
+            <a:schemeClr val="lt1"/>
+          </a:fontRef>
+        </p:style>
+        <p:txBody>
+          <a:bodyPr rtlCol="0" anchor="ctr"/>
+          <a:lstStyle/>
+          <a:p>
+            <a:pPr algn="ctr"/>
+            <a:r>
+              <a:rPr lang="en-US" dirty="0" err="1"/>
+              <a:t>Qmake</a:t>
+            </a:r>
+            <a:r>
+              <a:rPr lang="en-US" dirty="0"/>
+              <a:t> guide for creating subdir project and adding subprojects</a:t>
+            </a:r>
+            <a:endParaRPr lang="en-IN" dirty="0"/>
+          </a:p>
+        </p:txBody>
+      </p:sp>
+      <p:sp>
+        <p:nvSpPr>
+          <p:cNvPr id="4" name="TextBox 3">
+            <a:extLst>
+              <a:ext uri="{FF2B5EF4-FFF2-40B4-BE49-F238E27FC236}">
+                <a16:creationId xmlns:a16="http://schemas.microsoft.com/office/drawing/2014/main" id="{49CAFEA9-FC73-4EFC-BA89-ED642096DB4E}"/>
+              </a:ext>
+            </a:extLst>
+          </p:cNvPr>
+          <p:cNvSpPr txBox="1"/>
+          <p:nvPr/>
+        </p:nvSpPr>
+        <p:spPr>
+          <a:xfrm>
+            <a:off x="195937" y="899967"/>
+            <a:ext cx="9688749" cy="5909310"/>
+          </a:xfrm>
+          <a:prstGeom prst="rect">
+            <a:avLst/>
+          </a:prstGeom>
+          <a:noFill/>
+        </p:spPr>
+        <p:txBody>
+          <a:bodyPr wrap="square">
+            <a:spAutoFit/>
+          </a:bodyPr>
+          <a:lstStyle/>
+          <a:p>
+            <a:r>
+              <a:rPr lang="en-IN" dirty="0">
+                <a:hlinkClick r:id="rId2"/>
+              </a:rPr>
+              <a:t>https://www.toptal.com/qt/vital-guide-qmake</a:t>
+            </a:r>
+            <a:endParaRPr lang="en-IN" dirty="0"/>
+          </a:p>
+          <a:p>
+            <a:endParaRPr lang="en-IN" dirty="0"/>
+          </a:p>
+          <a:p>
+            <a:r>
+              <a:rPr lang="en-IN" dirty="0"/>
+              <a:t>For a simple subdir project containing one application and one library following setup is good. </a:t>
+            </a:r>
+          </a:p>
+          <a:p>
+            <a:r>
+              <a:rPr lang="en-IN" dirty="0"/>
+              <a:t>/project</a:t>
+            </a:r>
+          </a:p>
+          <a:p>
+            <a:r>
+              <a:rPr lang="en-IN" dirty="0"/>
+              <a:t>../library</a:t>
+            </a:r>
+          </a:p>
+          <a:p>
+            <a:r>
+              <a:rPr lang="en-IN" dirty="0"/>
+              <a:t>../application</a:t>
+            </a:r>
+          </a:p>
+          <a:p>
+            <a:endParaRPr lang="en-IN" dirty="0"/>
+          </a:p>
+          <a:p>
+            <a:r>
+              <a:rPr lang="en-IN" dirty="0"/>
+              <a:t>TEMPLATE = subdirs</a:t>
+            </a:r>
+          </a:p>
+          <a:p>
+            <a:r>
+              <a:rPr lang="en-IN" dirty="0"/>
+              <a:t>SUBDIRS = library application</a:t>
+            </a:r>
+          </a:p>
+          <a:p>
+            <a:r>
+              <a:rPr lang="en-IN" dirty="0" err="1"/>
+              <a:t>application.depends</a:t>
+            </a:r>
+            <a:r>
+              <a:rPr lang="en-IN" dirty="0"/>
+              <a:t> = library</a:t>
+            </a:r>
+          </a:p>
+          <a:p>
+            <a:endParaRPr lang="en-IN" dirty="0"/>
+          </a:p>
+          <a:p>
+            <a:r>
+              <a:rPr lang="en-IN" dirty="0" err="1"/>
+              <a:t>library.pri</a:t>
+            </a:r>
+            <a:endParaRPr lang="en-IN" dirty="0"/>
+          </a:p>
+          <a:p>
+            <a:r>
+              <a:rPr lang="en-US" dirty="0">
+                <a:solidFill>
+                  <a:schemeClr val="accent1"/>
+                </a:solidFill>
+                <a:effectLst/>
+              </a:rPr>
+              <a:t>LIBTARGET = library</a:t>
+            </a:r>
+          </a:p>
+          <a:p>
+            <a:r>
+              <a:rPr lang="en-US" dirty="0">
+                <a:solidFill>
+                  <a:schemeClr val="accent1"/>
+                </a:solidFill>
+                <a:effectLst/>
+              </a:rPr>
+              <a:t>BASEDIR   = $${PWD}</a:t>
+            </a:r>
+          </a:p>
+          <a:p>
+            <a:r>
+              <a:rPr lang="en-US" dirty="0">
+                <a:solidFill>
+                  <a:schemeClr val="accent1"/>
+                </a:solidFill>
+                <a:effectLst/>
+              </a:rPr>
+              <a:t>INCLUDEPATH *= $${BASEDIR}</a:t>
+            </a:r>
+          </a:p>
+          <a:p>
+            <a:r>
+              <a:rPr lang="en-US" dirty="0">
+                <a:solidFill>
+                  <a:schemeClr val="accent1"/>
+                </a:solidFill>
+                <a:effectLst/>
+              </a:rPr>
+              <a:t>win32:CONFIG(release, </a:t>
+            </a:r>
+            <a:r>
+              <a:rPr lang="en-US" dirty="0" err="1">
+                <a:solidFill>
+                  <a:schemeClr val="accent1"/>
+                </a:solidFill>
+                <a:effectLst/>
+              </a:rPr>
+              <a:t>debug|release</a:t>
+            </a:r>
+            <a:r>
+              <a:rPr lang="en-US" dirty="0">
+                <a:solidFill>
+                  <a:schemeClr val="accent1"/>
+                </a:solidFill>
+                <a:effectLst/>
+              </a:rPr>
+              <a:t>): LIBS += -L$$OUT_PWD/../library/release/ -</a:t>
+            </a:r>
+            <a:r>
+              <a:rPr lang="en-US" dirty="0" err="1">
+                <a:solidFill>
+                  <a:schemeClr val="accent1"/>
+                </a:solidFill>
+                <a:effectLst/>
+              </a:rPr>
+              <a:t>llibrary</a:t>
+            </a:r>
+            <a:endParaRPr lang="en-US" dirty="0">
+              <a:solidFill>
+                <a:schemeClr val="accent1"/>
+              </a:solidFill>
+              <a:effectLst/>
+            </a:endParaRPr>
+          </a:p>
+          <a:p>
+            <a:r>
+              <a:rPr lang="en-US" dirty="0">
+                <a:solidFill>
+                  <a:schemeClr val="accent1"/>
+                </a:solidFill>
+                <a:effectLst/>
+              </a:rPr>
+              <a:t>else:win32:CONFIG(debug, </a:t>
+            </a:r>
+            <a:r>
+              <a:rPr lang="en-US" dirty="0" err="1">
+                <a:solidFill>
+                  <a:schemeClr val="accent1"/>
+                </a:solidFill>
+                <a:effectLst/>
+              </a:rPr>
+              <a:t>debug|release</a:t>
+            </a:r>
+            <a:r>
+              <a:rPr lang="en-US" dirty="0">
+                <a:solidFill>
+                  <a:schemeClr val="accent1"/>
+                </a:solidFill>
+                <a:effectLst/>
+              </a:rPr>
+              <a:t>): LIBS += -L$$OUT_PWD/../library/debug/ -</a:t>
+            </a:r>
+            <a:r>
+              <a:rPr lang="en-US" dirty="0" err="1">
+                <a:solidFill>
+                  <a:schemeClr val="accent1"/>
+                </a:solidFill>
+                <a:effectLst/>
+              </a:rPr>
+              <a:t>llibrary</a:t>
+            </a:r>
+            <a:endParaRPr lang="en-US" dirty="0">
+              <a:solidFill>
+                <a:schemeClr val="accent1"/>
+              </a:solidFill>
+              <a:effectLst/>
+            </a:endParaRPr>
+          </a:p>
+          <a:p>
+            <a:r>
+              <a:rPr lang="en-US" dirty="0" err="1">
+                <a:solidFill>
+                  <a:schemeClr val="accent1"/>
+                </a:solidFill>
+                <a:effectLst/>
+              </a:rPr>
+              <a:t>else:unix</a:t>
+            </a:r>
+            <a:r>
+              <a:rPr lang="en-US" dirty="0">
+                <a:solidFill>
+                  <a:schemeClr val="accent1"/>
+                </a:solidFill>
+                <a:effectLst/>
+              </a:rPr>
+              <a:t>: LIBS += -L$$OUT_PWD/../library/ -</a:t>
+            </a:r>
+            <a:r>
+              <a:rPr lang="en-US" dirty="0" err="1">
+                <a:solidFill>
+                  <a:schemeClr val="accent1"/>
+                </a:solidFill>
+                <a:effectLst/>
+              </a:rPr>
+              <a:t>llibrary</a:t>
+            </a:r>
+            <a:endParaRPr lang="en-US" dirty="0">
+              <a:solidFill>
+                <a:schemeClr val="accent1"/>
+              </a:solidFill>
+              <a:effectLst/>
+            </a:endParaRPr>
+          </a:p>
+          <a:p>
+            <a:endParaRPr lang="en-IN" dirty="0"/>
+          </a:p>
+          <a:p>
+            <a:r>
+              <a:rPr lang="en-IN" dirty="0"/>
+              <a:t>In the application.pro file add </a:t>
+            </a:r>
+          </a:p>
+          <a:p>
+            <a:r>
+              <a:rPr lang="en-IN" dirty="0">
+                <a:solidFill>
+                  <a:srgbClr val="FF0000"/>
+                </a:solidFill>
+              </a:rPr>
+              <a:t>include(../library/</a:t>
+            </a:r>
+            <a:r>
+              <a:rPr lang="en-IN" dirty="0" err="1">
+                <a:solidFill>
+                  <a:srgbClr val="FF0000"/>
+                </a:solidFill>
+              </a:rPr>
+              <a:t>library.pri</a:t>
+            </a:r>
+            <a:r>
+              <a:rPr lang="en-IN" dirty="0">
+                <a:solidFill>
+                  <a:srgbClr val="FF0000"/>
+                </a:solidFill>
+              </a:rPr>
+              <a:t>) </a:t>
+            </a:r>
+          </a:p>
+        </p:txBody>
+      </p:sp>
+    </p:spTree>
+    <p:extLst>
+      <p:ext uri="{BB962C8B-B14F-4D97-AF65-F5344CB8AC3E}">
+        <p14:creationId xmlns:p14="http://schemas.microsoft.com/office/powerpoint/2010/main" val="215424005"/>
+      </p:ext>
+    </p:extLst>
+  </p:cSld>
+  <p:clrMapOvr>
+    <a:masterClrMapping/>
+  </p:clrMapOvr>
+</p:sld>
+</file>
+
+<file path=ppt/slides/slide14.xml><?xml version="1.0" encoding="utf-8"?>
+<p:sld xmlns:a="http://schemas.openxmlformats.org/drawingml/2006/main" xmlns:r="http://schemas.openxmlformats.org/officeDocument/2006/relationships" xmlns:p="http://schemas.openxmlformats.org/presentationml/2006/main">
+  <p:cSld>
+    <p:spTree>
+      <p:nvGrpSpPr>
+        <p:cNvPr id="1" name=""/>
+        <p:cNvGrpSpPr/>
+        <p:nvPr/>
+      </p:nvGrpSpPr>
+      <p:grpSpPr>
+        <a:xfrm>
+          <a:off x="0" y="0"/>
+          <a:ext cx="0" cy="0"/>
+          <a:chOff x="0" y="0"/>
+          <a:chExt cx="0" cy="0"/>
+        </a:xfrm>
+      </p:grpSpPr>
+      <p:sp>
+        <p:nvSpPr>
+          <p:cNvPr id="2" name="Rectangle 1">
+            <a:extLst>
+              <a:ext uri="{FF2B5EF4-FFF2-40B4-BE49-F238E27FC236}">
+                <a16:creationId xmlns:a16="http://schemas.microsoft.com/office/drawing/2014/main" id="{1EF5EF88-633C-4647-A361-23607496BEF8}"/>
+              </a:ext>
+            </a:extLst>
+          </p:cNvPr>
+          <p:cNvSpPr/>
+          <p:nvPr/>
+        </p:nvSpPr>
+        <p:spPr>
+          <a:xfrm>
+            <a:off x="379379" y="291830"/>
+            <a:ext cx="8715983" cy="496110"/>
+          </a:xfrm>
+          <a:prstGeom prst="rect">
+            <a:avLst/>
+          </a:prstGeom>
+        </p:spPr>
+        <p:style>
+          <a:lnRef idx="2">
+            <a:schemeClr val="accent1">
+              <a:shade val="50000"/>
+            </a:schemeClr>
+          </a:lnRef>
+          <a:fillRef idx="1">
+            <a:schemeClr val="accent1"/>
+          </a:fillRef>
+          <a:effectRef idx="0">
+            <a:schemeClr val="accent1"/>
+          </a:effectRef>
+          <a:fontRef idx="minor">
+            <a:schemeClr val="lt1"/>
+          </a:fontRef>
+        </p:style>
+        <p:txBody>
+          <a:bodyPr rtlCol="0" anchor="ctr"/>
+          <a:lstStyle/>
+          <a:p>
+            <a:pPr algn="ctr"/>
+            <a:r>
+              <a:rPr lang="en-US" dirty="0"/>
+              <a:t>Adding dependency to third party library in .pro file</a:t>
+            </a:r>
+            <a:endParaRPr lang="en-IN" dirty="0"/>
+          </a:p>
+        </p:txBody>
+      </p:sp>
+      <p:sp>
+        <p:nvSpPr>
+          <p:cNvPr id="3" name="TextBox 2">
+            <a:extLst>
+              <a:ext uri="{FF2B5EF4-FFF2-40B4-BE49-F238E27FC236}">
+                <a16:creationId xmlns:a16="http://schemas.microsoft.com/office/drawing/2014/main" id="{638C1AE3-B9DF-44EF-8643-1A831347C7E4}"/>
+              </a:ext>
+            </a:extLst>
+          </p:cNvPr>
+          <p:cNvSpPr txBox="1"/>
+          <p:nvPr/>
+        </p:nvSpPr>
+        <p:spPr>
+          <a:xfrm>
+            <a:off x="379379" y="856034"/>
+            <a:ext cx="9474741" cy="5632311"/>
+          </a:xfrm>
+          <a:prstGeom prst="rect">
+            <a:avLst/>
+          </a:prstGeom>
+          <a:noFill/>
+        </p:spPr>
+        <p:txBody>
+          <a:bodyPr wrap="square" rtlCol="0">
+            <a:spAutoFit/>
+          </a:bodyPr>
+          <a:lstStyle/>
+          <a:p>
+            <a:r>
+              <a:rPr lang="en-US" dirty="0"/>
+              <a:t>Since it's possible to build from different directory than project directory, relative path pointing to project directory should be prefixed with $$PWD/ (PWD </a:t>
+            </a:r>
+            <a:r>
+              <a:rPr lang="en-US" dirty="0" err="1"/>
+              <a:t>qmake</a:t>
+            </a:r>
+            <a:r>
+              <a:rPr lang="en-US" dirty="0"/>
+              <a:t> variable contains absolute path to directory with currently processed *.pro file).</a:t>
+            </a:r>
+          </a:p>
+          <a:p>
+            <a:endParaRPr lang="en-US" dirty="0"/>
+          </a:p>
+          <a:p>
+            <a:r>
+              <a:rPr lang="en-US" dirty="0"/>
+              <a:t>Your line would look like:</a:t>
+            </a:r>
+          </a:p>
+          <a:p>
+            <a:endParaRPr lang="en-US" dirty="0"/>
+          </a:p>
+          <a:p>
+            <a:r>
+              <a:rPr lang="en-US" dirty="0"/>
+              <a:t>LIBS += -L"$$PWD/sqlite3" -lsqlite3</a:t>
+            </a:r>
+          </a:p>
+          <a:p>
+            <a:endParaRPr lang="en-US" dirty="0"/>
+          </a:p>
+          <a:p>
+            <a:r>
+              <a:rPr lang="en-US" dirty="0"/>
+              <a:t>If another library is your own library (just a subproject in the application)</a:t>
+            </a:r>
+          </a:p>
+          <a:p>
+            <a:r>
+              <a:rPr lang="en-US" dirty="0"/>
+              <a:t>You can add (</a:t>
+            </a:r>
+            <a:r>
+              <a:rPr lang="en-US" dirty="0" err="1"/>
+              <a:t>library.pri</a:t>
+            </a:r>
+            <a:r>
+              <a:rPr lang="en-US" dirty="0"/>
+              <a:t>) file in library project and add following lines in it </a:t>
+            </a:r>
+          </a:p>
+          <a:p>
+            <a:endParaRPr lang="en-US" dirty="0"/>
+          </a:p>
+          <a:p>
+            <a:r>
+              <a:rPr lang="en-US" dirty="0">
+                <a:solidFill>
+                  <a:schemeClr val="accent1"/>
+                </a:solidFill>
+                <a:effectLst/>
+              </a:rPr>
+              <a:t>LIBTARGET = library</a:t>
+            </a:r>
+          </a:p>
+          <a:p>
+            <a:r>
+              <a:rPr lang="en-US" dirty="0">
+                <a:solidFill>
+                  <a:schemeClr val="accent1"/>
+                </a:solidFill>
+                <a:effectLst/>
+              </a:rPr>
+              <a:t>BASEDIR   = $${PWD}</a:t>
+            </a:r>
+          </a:p>
+          <a:p>
+            <a:r>
+              <a:rPr lang="en-US" dirty="0">
+                <a:solidFill>
+                  <a:schemeClr val="accent1"/>
+                </a:solidFill>
+                <a:effectLst/>
+              </a:rPr>
+              <a:t>INCLUDEPATH *= $${BASEDIR}</a:t>
+            </a:r>
+          </a:p>
+          <a:p>
+            <a:r>
+              <a:rPr lang="en-US" dirty="0">
+                <a:solidFill>
+                  <a:schemeClr val="accent1"/>
+                </a:solidFill>
+                <a:effectLst/>
+              </a:rPr>
+              <a:t>win32:CONFIG(release, </a:t>
+            </a:r>
+            <a:r>
+              <a:rPr lang="en-US" dirty="0" err="1">
+                <a:solidFill>
+                  <a:schemeClr val="accent1"/>
+                </a:solidFill>
+                <a:effectLst/>
+              </a:rPr>
+              <a:t>debug|release</a:t>
+            </a:r>
+            <a:r>
+              <a:rPr lang="en-US" dirty="0">
+                <a:solidFill>
+                  <a:schemeClr val="accent1"/>
+                </a:solidFill>
+                <a:effectLst/>
+              </a:rPr>
+              <a:t>): LIBS += -L$$OUT_PWD/../library/release/ -</a:t>
+            </a:r>
+            <a:r>
+              <a:rPr lang="en-US" dirty="0" err="1">
+                <a:solidFill>
+                  <a:schemeClr val="accent1"/>
+                </a:solidFill>
+                <a:effectLst/>
+              </a:rPr>
+              <a:t>llibrary</a:t>
+            </a:r>
+            <a:endParaRPr lang="en-US" dirty="0">
+              <a:solidFill>
+                <a:schemeClr val="accent1"/>
+              </a:solidFill>
+              <a:effectLst/>
+            </a:endParaRPr>
+          </a:p>
+          <a:p>
+            <a:r>
+              <a:rPr lang="en-US" dirty="0">
+                <a:solidFill>
+                  <a:schemeClr val="accent1"/>
+                </a:solidFill>
+                <a:effectLst/>
+              </a:rPr>
+              <a:t>else:win32:CONFIG(debug, </a:t>
+            </a:r>
+            <a:r>
+              <a:rPr lang="en-US" dirty="0" err="1">
+                <a:solidFill>
+                  <a:schemeClr val="accent1"/>
+                </a:solidFill>
+                <a:effectLst/>
+              </a:rPr>
+              <a:t>debug|release</a:t>
+            </a:r>
+            <a:r>
+              <a:rPr lang="en-US" dirty="0">
+                <a:solidFill>
+                  <a:schemeClr val="accent1"/>
+                </a:solidFill>
+                <a:effectLst/>
+              </a:rPr>
+              <a:t>): LIBS += -L$$OUT_PWD/../library/debug/ -</a:t>
+            </a:r>
+            <a:r>
+              <a:rPr lang="en-US" dirty="0" err="1">
+                <a:solidFill>
+                  <a:schemeClr val="accent1"/>
+                </a:solidFill>
+                <a:effectLst/>
+              </a:rPr>
+              <a:t>llibrary</a:t>
+            </a:r>
+            <a:endParaRPr lang="en-US" dirty="0">
+              <a:solidFill>
+                <a:schemeClr val="accent1"/>
+              </a:solidFill>
+              <a:effectLst/>
+            </a:endParaRPr>
+          </a:p>
+          <a:p>
+            <a:r>
+              <a:rPr lang="en-US" dirty="0" err="1">
+                <a:solidFill>
+                  <a:schemeClr val="accent1"/>
+                </a:solidFill>
+                <a:effectLst/>
+              </a:rPr>
+              <a:t>else:unix</a:t>
+            </a:r>
+            <a:r>
+              <a:rPr lang="en-US" dirty="0">
+                <a:solidFill>
+                  <a:schemeClr val="accent1"/>
+                </a:solidFill>
+                <a:effectLst/>
+              </a:rPr>
+              <a:t>: LIBS += -L$$OUT_PWD/../library/ -</a:t>
+            </a:r>
+            <a:r>
+              <a:rPr lang="en-US" dirty="0" err="1">
+                <a:solidFill>
+                  <a:schemeClr val="accent1"/>
+                </a:solidFill>
+                <a:effectLst/>
+              </a:rPr>
+              <a:t>llibrary</a:t>
+            </a:r>
+            <a:endParaRPr lang="en-US" dirty="0">
+              <a:solidFill>
+                <a:schemeClr val="accent1"/>
+              </a:solidFill>
+              <a:effectLst/>
+            </a:endParaRPr>
+          </a:p>
+          <a:p>
+            <a:endParaRPr lang="en-US" dirty="0"/>
+          </a:p>
+          <a:p>
+            <a:r>
+              <a:rPr lang="en-US" dirty="0"/>
+              <a:t>Then link to it by adding following line in application.pro file</a:t>
+            </a:r>
+          </a:p>
+          <a:p>
+            <a:r>
+              <a:rPr lang="en-IN" dirty="0">
+                <a:solidFill>
+                  <a:schemeClr val="accent2"/>
+                </a:solidFill>
+                <a:effectLst/>
+              </a:rPr>
+              <a:t>include</a:t>
+            </a:r>
+            <a:r>
+              <a:rPr lang="en-IN" dirty="0">
+                <a:solidFill>
+                  <a:schemeClr val="accent2"/>
+                </a:solidFill>
+              </a:rPr>
+              <a:t>(../library/</a:t>
+            </a:r>
+            <a:r>
+              <a:rPr lang="en-IN" dirty="0" err="1">
+                <a:solidFill>
+                  <a:schemeClr val="accent2"/>
+                </a:solidFill>
+              </a:rPr>
+              <a:t>library.pri</a:t>
+            </a:r>
+            <a:r>
+              <a:rPr lang="en-IN" dirty="0">
+                <a:solidFill>
+                  <a:schemeClr val="accent2"/>
+                </a:solidFill>
+              </a:rPr>
+              <a:t>)</a:t>
+            </a:r>
+          </a:p>
+        </p:txBody>
+      </p:sp>
+    </p:spTree>
+    <p:extLst>
+      <p:ext uri="{BB962C8B-B14F-4D97-AF65-F5344CB8AC3E}">
+        <p14:creationId xmlns:p14="http://schemas.microsoft.com/office/powerpoint/2010/main" val="726441028"/>
+      </p:ext>
+    </p:extLst>
+  </p:cSld>
+  <p:clrMapOvr>
+    <a:masterClrMapping/>
+  </p:clrMapOvr>
+</p:sld>
+</file>
+
+<file path=ppt/slides/slide15.xml><?xml version="1.0" encoding="utf-8"?>
+<p:sld xmlns:a="http://schemas.openxmlformats.org/drawingml/2006/main" xmlns:r="http://schemas.openxmlformats.org/officeDocument/2006/relationships" xmlns:p="http://schemas.openxmlformats.org/presentationml/2006/main">
+  <p:cSld>
+    <p:spTree>
+      <p:nvGrpSpPr>
+        <p:cNvPr id="1" name=""/>
+        <p:cNvGrpSpPr/>
+        <p:nvPr/>
+      </p:nvGrpSpPr>
+      <p:grpSpPr>
+        <a:xfrm>
+          <a:off x="0" y="0"/>
+          <a:ext cx="0" cy="0"/>
+          <a:chOff x="0" y="0"/>
+          <a:chExt cx="0" cy="0"/>
+        </a:xfrm>
+      </p:grpSpPr>
+      <p:sp>
+        <p:nvSpPr>
+          <p:cNvPr id="2" name="Rectangle 1">
+            <a:extLst>
+              <a:ext uri="{FF2B5EF4-FFF2-40B4-BE49-F238E27FC236}">
+                <a16:creationId xmlns:a16="http://schemas.microsoft.com/office/drawing/2014/main" id="{70B642EB-8CC7-4805-9BB0-38AA30A395ED}"/>
+              </a:ext>
+            </a:extLst>
+          </p:cNvPr>
+          <p:cNvSpPr/>
+          <p:nvPr/>
+        </p:nvSpPr>
+        <p:spPr>
+          <a:xfrm>
+            <a:off x="885217" y="321013"/>
+            <a:ext cx="7577847" cy="651753"/>
+          </a:xfrm>
+          <a:prstGeom prst="rect">
+            <a:avLst/>
+          </a:prstGeom>
+        </p:spPr>
+        <p:style>
+          <a:lnRef idx="2">
+            <a:schemeClr val="accent1">
+              <a:shade val="50000"/>
+            </a:schemeClr>
+          </a:lnRef>
+          <a:fillRef idx="1">
+            <a:schemeClr val="accent1"/>
+          </a:fillRef>
+          <a:effectRef idx="0">
+            <a:schemeClr val="accent1"/>
+          </a:effectRef>
+          <a:fontRef idx="minor">
+            <a:schemeClr val="lt1"/>
+          </a:fontRef>
+        </p:style>
+        <p:txBody>
+          <a:bodyPr rtlCol="0" anchor="ctr"/>
+          <a:lstStyle/>
+          <a:p>
+            <a:pPr algn="ctr"/>
+            <a:r>
+              <a:rPr lang="en-US" dirty="0"/>
+              <a:t>Specify debug and release folders for application</a:t>
+            </a:r>
+            <a:endParaRPr lang="en-IN" dirty="0"/>
+          </a:p>
+        </p:txBody>
+      </p:sp>
+      <p:sp>
+        <p:nvSpPr>
+          <p:cNvPr id="5" name="TextBox 4">
+            <a:extLst>
+              <a:ext uri="{FF2B5EF4-FFF2-40B4-BE49-F238E27FC236}">
+                <a16:creationId xmlns:a16="http://schemas.microsoft.com/office/drawing/2014/main" id="{677EBDE7-CF2F-4F92-AB18-CE21B0C73494}"/>
+              </a:ext>
+            </a:extLst>
+          </p:cNvPr>
+          <p:cNvSpPr txBox="1"/>
+          <p:nvPr/>
+        </p:nvSpPr>
+        <p:spPr>
+          <a:xfrm>
+            <a:off x="768485" y="1352145"/>
+            <a:ext cx="8813260" cy="4766553"/>
+          </a:xfrm>
+          <a:prstGeom prst="rect">
+            <a:avLst/>
+          </a:prstGeom>
+          <a:noFill/>
+        </p:spPr>
+        <p:txBody>
+          <a:bodyPr wrap="square" rtlCol="0">
+            <a:spAutoFit/>
+          </a:bodyPr>
+          <a:lstStyle/>
+          <a:p>
+            <a:r>
+              <a:rPr lang="en-IN" dirty="0"/>
+              <a:t>For my Qt project, I use this scheme in *.pro file:</a:t>
+            </a:r>
+          </a:p>
+          <a:p>
+            <a:endParaRPr lang="en-IN" dirty="0"/>
+          </a:p>
+          <a:p>
+            <a:r>
+              <a:rPr lang="en-IN" dirty="0"/>
+              <a:t>HEADERS += </a:t>
+            </a:r>
+            <a:r>
+              <a:rPr lang="en-IN" dirty="0" err="1"/>
+              <a:t>src</a:t>
+            </a:r>
+            <a:r>
+              <a:rPr lang="en-IN" dirty="0"/>
+              <a:t>/</a:t>
+            </a:r>
+            <a:r>
+              <a:rPr lang="en-IN" dirty="0" err="1"/>
+              <a:t>dialogs.h</a:t>
+            </a:r>
+            <a:endParaRPr lang="en-IN" dirty="0"/>
+          </a:p>
+          <a:p>
+            <a:r>
+              <a:rPr lang="en-IN" dirty="0"/>
+              <a:t>SOURCES += </a:t>
+            </a:r>
+            <a:r>
+              <a:rPr lang="en-IN" dirty="0" err="1"/>
+              <a:t>src</a:t>
+            </a:r>
+            <a:r>
+              <a:rPr lang="en-IN" dirty="0"/>
+              <a:t>/main.cpp \</a:t>
+            </a:r>
+          </a:p>
+          <a:p>
+            <a:r>
+              <a:rPr lang="en-IN" dirty="0"/>
+              <a:t>           </a:t>
+            </a:r>
+            <a:r>
+              <a:rPr lang="en-IN" dirty="0" err="1"/>
+              <a:t>src</a:t>
+            </a:r>
+            <a:r>
+              <a:rPr lang="en-IN" dirty="0"/>
+              <a:t>/dialogs.cpp</a:t>
+            </a:r>
+          </a:p>
+          <a:p>
+            <a:endParaRPr lang="en-IN" dirty="0"/>
+          </a:p>
+          <a:p>
+            <a:r>
+              <a:rPr lang="en-IN" dirty="0" err="1"/>
+              <a:t>Release:DESTDIR</a:t>
+            </a:r>
+            <a:r>
+              <a:rPr lang="en-IN" dirty="0"/>
+              <a:t> = release</a:t>
+            </a:r>
+          </a:p>
+          <a:p>
+            <a:r>
+              <a:rPr lang="en-IN" dirty="0" err="1"/>
+              <a:t>Release:OBJECTS_DIR</a:t>
+            </a:r>
+            <a:r>
+              <a:rPr lang="en-IN" dirty="0"/>
+              <a:t> = release/.</a:t>
+            </a:r>
+            <a:r>
+              <a:rPr lang="en-IN" dirty="0" err="1"/>
+              <a:t>obj</a:t>
+            </a:r>
+            <a:endParaRPr lang="en-IN" dirty="0"/>
+          </a:p>
+          <a:p>
+            <a:r>
+              <a:rPr lang="en-IN" dirty="0" err="1"/>
+              <a:t>Release:MOC_DIR</a:t>
+            </a:r>
+            <a:r>
+              <a:rPr lang="en-IN" dirty="0"/>
+              <a:t> = release/.</a:t>
+            </a:r>
+            <a:r>
+              <a:rPr lang="en-IN" dirty="0" err="1"/>
+              <a:t>moc</a:t>
+            </a:r>
+            <a:endParaRPr lang="en-IN" dirty="0"/>
+          </a:p>
+          <a:p>
+            <a:r>
+              <a:rPr lang="en-IN" dirty="0" err="1"/>
+              <a:t>Release:RCC_DIR</a:t>
+            </a:r>
+            <a:r>
+              <a:rPr lang="en-IN" dirty="0"/>
+              <a:t> = release/.</a:t>
+            </a:r>
+            <a:r>
+              <a:rPr lang="en-IN" dirty="0" err="1"/>
+              <a:t>rcc</a:t>
+            </a:r>
+            <a:endParaRPr lang="en-IN" dirty="0"/>
+          </a:p>
+          <a:p>
+            <a:r>
+              <a:rPr lang="en-IN" dirty="0" err="1"/>
+              <a:t>Release:UI_DIR</a:t>
+            </a:r>
+            <a:r>
+              <a:rPr lang="en-IN" dirty="0"/>
+              <a:t> = release/.</a:t>
+            </a:r>
+            <a:r>
+              <a:rPr lang="en-IN" dirty="0" err="1"/>
+              <a:t>ui</a:t>
+            </a:r>
+            <a:endParaRPr lang="en-IN" dirty="0"/>
+          </a:p>
+          <a:p>
+            <a:endParaRPr lang="en-IN" dirty="0"/>
+          </a:p>
+          <a:p>
+            <a:r>
+              <a:rPr lang="en-IN" dirty="0" err="1"/>
+              <a:t>Debug:DESTDIR</a:t>
+            </a:r>
+            <a:r>
+              <a:rPr lang="en-IN" dirty="0"/>
+              <a:t> = debug</a:t>
+            </a:r>
+          </a:p>
+          <a:p>
+            <a:r>
+              <a:rPr lang="en-IN" dirty="0" err="1"/>
+              <a:t>Debug:OBJECTS_DIR</a:t>
+            </a:r>
+            <a:r>
+              <a:rPr lang="en-IN" dirty="0"/>
+              <a:t> = debug/.</a:t>
+            </a:r>
+            <a:r>
+              <a:rPr lang="en-IN" dirty="0" err="1"/>
+              <a:t>obj</a:t>
+            </a:r>
+            <a:endParaRPr lang="en-IN" dirty="0"/>
+          </a:p>
+          <a:p>
+            <a:r>
+              <a:rPr lang="en-IN" dirty="0" err="1"/>
+              <a:t>Debug:MOC_DIR</a:t>
+            </a:r>
+            <a:r>
+              <a:rPr lang="en-IN" dirty="0"/>
+              <a:t> = debug/.</a:t>
+            </a:r>
+            <a:r>
+              <a:rPr lang="en-IN" dirty="0" err="1"/>
+              <a:t>moc</a:t>
+            </a:r>
+            <a:endParaRPr lang="en-IN" dirty="0"/>
+          </a:p>
+          <a:p>
+            <a:r>
+              <a:rPr lang="en-IN" dirty="0" err="1"/>
+              <a:t>Debug:RCC_DIR</a:t>
+            </a:r>
+            <a:r>
+              <a:rPr lang="en-IN" dirty="0"/>
+              <a:t> = debug/.</a:t>
+            </a:r>
+            <a:r>
+              <a:rPr lang="en-IN" dirty="0" err="1"/>
+              <a:t>rcc</a:t>
+            </a:r>
+            <a:endParaRPr lang="en-IN" dirty="0"/>
+          </a:p>
+          <a:p>
+            <a:r>
+              <a:rPr lang="en-IN" dirty="0" err="1"/>
+              <a:t>Debug:UI_DIR</a:t>
+            </a:r>
+            <a:r>
+              <a:rPr lang="en-IN" dirty="0"/>
+              <a:t> = debug/.</a:t>
+            </a:r>
+            <a:r>
+              <a:rPr lang="en-IN" dirty="0" err="1"/>
+              <a:t>ui</a:t>
+            </a:r>
+            <a:endParaRPr lang="en-IN" dirty="0"/>
+          </a:p>
+        </p:txBody>
+      </p:sp>
+    </p:spTree>
+    <p:extLst>
+      <p:ext uri="{BB962C8B-B14F-4D97-AF65-F5344CB8AC3E}">
+        <p14:creationId xmlns:p14="http://schemas.microsoft.com/office/powerpoint/2010/main" val="2553815411"/>
+      </p:ext>
+    </p:extLst>
+  </p:cSld>
+  <p:clrMapOvr>
+    <a:masterClrMapping/>
+  </p:clrMapOvr>
+</p:sld>
+</file>
+
+<file path=ppt/slides/slide16.xml><?xml version="1.0" encoding="utf-8"?>
+<p:sld xmlns:a="http://schemas.openxmlformats.org/drawingml/2006/main" xmlns:r="http://schemas.openxmlformats.org/officeDocument/2006/relationships" xmlns:p="http://schemas.openxmlformats.org/presentationml/2006/main">
+  <p:cSld>
+    <p:spTree>
+      <p:nvGrpSpPr>
+        <p:cNvPr id="1" name=""/>
+        <p:cNvGrpSpPr/>
+        <p:nvPr/>
+      </p:nvGrpSpPr>
+      <p:grpSpPr>
+        <a:xfrm>
+          <a:off x="0" y="0"/>
+          <a:ext cx="0" cy="0"/>
+          <a:chOff x="0" y="0"/>
+          <a:chExt cx="0" cy="0"/>
+        </a:xfrm>
+      </p:grpSpPr>
+      <p:sp>
+        <p:nvSpPr>
+          <p:cNvPr id="2" name="Rectangle 1">
+            <a:extLst>
+              <a:ext uri="{FF2B5EF4-FFF2-40B4-BE49-F238E27FC236}">
+                <a16:creationId xmlns:a16="http://schemas.microsoft.com/office/drawing/2014/main" id="{AD9E4DA3-FC50-4C54-902A-0EAEF96569D1}"/>
+              </a:ext>
+            </a:extLst>
+          </p:cNvPr>
+          <p:cNvSpPr/>
+          <p:nvPr/>
+        </p:nvSpPr>
+        <p:spPr>
+          <a:xfrm>
+            <a:off x="451781" y="122034"/>
+            <a:ext cx="7577847" cy="651753"/>
+          </a:xfrm>
+          <a:prstGeom prst="rect">
+            <a:avLst/>
+          </a:prstGeom>
+        </p:spPr>
+        <p:style>
+          <a:lnRef idx="2">
+            <a:schemeClr val="accent1">
+              <a:shade val="50000"/>
+            </a:schemeClr>
+          </a:lnRef>
+          <a:fillRef idx="1">
+            <a:schemeClr val="accent1"/>
+          </a:fillRef>
+          <a:effectRef idx="0">
+            <a:schemeClr val="accent1"/>
+          </a:effectRef>
+          <a:fontRef idx="minor">
+            <a:schemeClr val="lt1"/>
+          </a:fontRef>
+        </p:style>
+        <p:txBody>
+          <a:bodyPr rtlCol="0" anchor="ctr"/>
+          <a:lstStyle/>
+          <a:p>
+            <a:pPr algn="ctr"/>
+            <a:r>
+              <a:rPr lang="en-US" dirty="0"/>
+              <a:t>Specify debug and release folders for application</a:t>
+            </a:r>
+            <a:endParaRPr lang="en-IN" dirty="0"/>
+          </a:p>
+        </p:txBody>
+      </p:sp>
+      <p:sp>
+        <p:nvSpPr>
+          <p:cNvPr id="3" name="TextBox 2">
+            <a:extLst>
+              <a:ext uri="{FF2B5EF4-FFF2-40B4-BE49-F238E27FC236}">
+                <a16:creationId xmlns:a16="http://schemas.microsoft.com/office/drawing/2014/main" id="{26299388-45CB-40C2-8043-A6D627BB0216}"/>
+              </a:ext>
+            </a:extLst>
+          </p:cNvPr>
+          <p:cNvSpPr txBox="1"/>
+          <p:nvPr/>
+        </p:nvSpPr>
+        <p:spPr>
+          <a:xfrm>
+            <a:off x="282101" y="1140230"/>
+            <a:ext cx="8784077" cy="5355312"/>
+          </a:xfrm>
+          <a:prstGeom prst="rect">
+            <a:avLst/>
+          </a:prstGeom>
+          <a:noFill/>
+        </p:spPr>
+        <p:txBody>
+          <a:bodyPr wrap="square" rtlCol="0">
+            <a:spAutoFit/>
+          </a:bodyPr>
+          <a:lstStyle/>
+          <a:p>
+            <a:r>
+              <a:rPr lang="en-US" dirty="0"/>
+              <a:t>You can create subdir project in </a:t>
+            </a:r>
+            <a:r>
+              <a:rPr lang="en-US" dirty="0" err="1"/>
+              <a:t>QTCreator</a:t>
+            </a:r>
+            <a:r>
+              <a:rPr lang="en-US" dirty="0"/>
+              <a:t>. One will be application sub project and remaining can be library sub projects. Right click on application subproject and select add library. This will open wizard and you can select the library. This will add dependency in </a:t>
+            </a:r>
+            <a:r>
+              <a:rPr lang="en-US" dirty="0" err="1"/>
+              <a:t>qmake</a:t>
+            </a:r>
+            <a:r>
+              <a:rPr lang="en-US" dirty="0"/>
+              <a:t> file. As follows </a:t>
+            </a:r>
+          </a:p>
+          <a:p>
+            <a:endParaRPr lang="en-US" dirty="0"/>
+          </a:p>
+          <a:p>
+            <a:r>
+              <a:rPr lang="en-US" dirty="0">
+                <a:solidFill>
+                  <a:schemeClr val="accent1"/>
+                </a:solidFill>
+              </a:rPr>
+              <a:t>win32:CONFIG(release, </a:t>
+            </a:r>
+            <a:r>
+              <a:rPr lang="en-US" dirty="0" err="1">
+                <a:solidFill>
+                  <a:schemeClr val="accent1"/>
+                </a:solidFill>
+              </a:rPr>
+              <a:t>debug|release</a:t>
+            </a:r>
+            <a:r>
+              <a:rPr lang="en-US" dirty="0">
+                <a:solidFill>
+                  <a:schemeClr val="accent1"/>
+                </a:solidFill>
+              </a:rPr>
+              <a:t>): LIBS += -L$$OUT_PWD/../lib1/release/ -llib1</a:t>
+            </a:r>
+          </a:p>
+          <a:p>
+            <a:r>
+              <a:rPr lang="en-US" dirty="0">
+                <a:solidFill>
+                  <a:schemeClr val="accent1"/>
+                </a:solidFill>
+              </a:rPr>
+              <a:t>else:win32:CONFIG(debug, </a:t>
+            </a:r>
+            <a:r>
+              <a:rPr lang="en-US" dirty="0" err="1">
+                <a:solidFill>
+                  <a:schemeClr val="accent1"/>
+                </a:solidFill>
+              </a:rPr>
+              <a:t>debug|release</a:t>
+            </a:r>
+            <a:r>
+              <a:rPr lang="en-US" dirty="0">
+                <a:solidFill>
+                  <a:schemeClr val="accent1"/>
+                </a:solidFill>
+              </a:rPr>
+              <a:t>): LIBS += -L$$OUT_PWD/../lib1/debug/ -llib1</a:t>
+            </a:r>
+          </a:p>
+          <a:p>
+            <a:r>
+              <a:rPr lang="en-US" dirty="0" err="1">
+                <a:solidFill>
+                  <a:schemeClr val="accent1"/>
+                </a:solidFill>
+              </a:rPr>
+              <a:t>else:unix</a:t>
+            </a:r>
+            <a:r>
+              <a:rPr lang="en-US" dirty="0">
+                <a:solidFill>
+                  <a:schemeClr val="accent1"/>
+                </a:solidFill>
+              </a:rPr>
+              <a:t>: LIBS += -L$$OUT_PWD/../lib1/ -llib1</a:t>
+            </a:r>
+          </a:p>
+          <a:p>
+            <a:endParaRPr lang="en-US" dirty="0">
+              <a:solidFill>
+                <a:schemeClr val="accent1"/>
+              </a:solidFill>
+            </a:endParaRPr>
+          </a:p>
+          <a:p>
+            <a:r>
+              <a:rPr lang="en-US" dirty="0">
+                <a:solidFill>
+                  <a:schemeClr val="accent1"/>
+                </a:solidFill>
+              </a:rPr>
+              <a:t>INCLUDEPATH += $$PWD/../lib1</a:t>
+            </a:r>
+          </a:p>
+          <a:p>
+            <a:r>
+              <a:rPr lang="en-US" dirty="0">
+                <a:solidFill>
+                  <a:schemeClr val="accent1"/>
+                </a:solidFill>
+              </a:rPr>
+              <a:t>DEPENDPATH += $$PWD/../lib1</a:t>
+            </a:r>
+          </a:p>
+          <a:p>
+            <a:endParaRPr lang="en-US" dirty="0"/>
+          </a:p>
+          <a:p>
+            <a:endParaRPr lang="en-US" dirty="0"/>
+          </a:p>
+          <a:p>
+            <a:endParaRPr lang="en-US" dirty="0"/>
+          </a:p>
+          <a:p>
+            <a:endParaRPr lang="en-US" dirty="0"/>
+          </a:p>
+          <a:p>
+            <a:endParaRPr lang="en-US" dirty="0"/>
+          </a:p>
+          <a:p>
+            <a:endParaRPr lang="en-US" dirty="0"/>
+          </a:p>
+          <a:p>
+            <a:endParaRPr lang="en-US" dirty="0"/>
+          </a:p>
+          <a:p>
+            <a:endParaRPr lang="en-IN" dirty="0"/>
+          </a:p>
+        </p:txBody>
+      </p:sp>
+      <p:pic>
+        <p:nvPicPr>
+          <p:cNvPr id="6" name="Picture 5" descr="Graphical user interface, text, application&#10;&#10;Description automatically generated">
+            <a:extLst>
+              <a:ext uri="{FF2B5EF4-FFF2-40B4-BE49-F238E27FC236}">
+                <a16:creationId xmlns:a16="http://schemas.microsoft.com/office/drawing/2014/main" id="{9EE6B5CA-9CAA-479D-942C-12DE8B59B9A7}"/>
+              </a:ext>
+            </a:extLst>
+          </p:cNvPr>
+          <p:cNvPicPr>
+            <a:picLocks noChangeAspect="1"/>
+          </p:cNvPicPr>
+          <p:nvPr/>
+        </p:nvPicPr>
+        <p:blipFill>
+          <a:blip r:embed="rId2">
+            <a:extLst>
+              <a:ext uri="{28A0092B-C50C-407E-A947-70E740481C1C}">
+                <a14:useLocalDpi xmlns:a14="http://schemas.microsoft.com/office/drawing/2010/main" val="0"/>
+              </a:ext>
+            </a:extLst>
+          </a:blip>
+          <a:stretch>
+            <a:fillRect/>
+          </a:stretch>
+        </p:blipFill>
+        <p:spPr>
+          <a:xfrm>
+            <a:off x="3452832" y="3518243"/>
+            <a:ext cx="2124371" cy="3343742"/>
+          </a:xfrm>
+          <a:prstGeom prst="rect">
+            <a:avLst/>
+          </a:prstGeom>
+        </p:spPr>
+      </p:pic>
+      <p:pic>
+        <p:nvPicPr>
+          <p:cNvPr id="8" name="Picture 7" descr="Text&#10;&#10;Description automatically generated">
+            <a:extLst>
+              <a:ext uri="{FF2B5EF4-FFF2-40B4-BE49-F238E27FC236}">
+                <a16:creationId xmlns:a16="http://schemas.microsoft.com/office/drawing/2014/main" id="{729D2AB0-9F6C-45F3-93FE-D64F614B1E38}"/>
+              </a:ext>
+            </a:extLst>
+          </p:cNvPr>
+          <p:cNvPicPr>
+            <a:picLocks noChangeAspect="1"/>
+          </p:cNvPicPr>
+          <p:nvPr/>
+        </p:nvPicPr>
+        <p:blipFill>
+          <a:blip r:embed="rId3">
+            <a:extLst>
+              <a:ext uri="{28A0092B-C50C-407E-A947-70E740481C1C}">
+                <a14:useLocalDpi xmlns:a14="http://schemas.microsoft.com/office/drawing/2010/main" val="0"/>
+              </a:ext>
+            </a:extLst>
+          </a:blip>
+          <a:stretch>
+            <a:fillRect/>
+          </a:stretch>
+        </p:blipFill>
+        <p:spPr>
+          <a:xfrm>
+            <a:off x="5577203" y="3518243"/>
+            <a:ext cx="4530815" cy="3343742"/>
+          </a:xfrm>
+          <a:prstGeom prst="rect">
+            <a:avLst/>
+          </a:prstGeom>
+        </p:spPr>
+      </p:pic>
+    </p:spTree>
+    <p:extLst>
+      <p:ext uri="{BB962C8B-B14F-4D97-AF65-F5344CB8AC3E}">
+        <p14:creationId xmlns:p14="http://schemas.microsoft.com/office/powerpoint/2010/main" val="875473809"/>
+      </p:ext>
+    </p:extLst>
+  </p:cSld>
+  <p:clrMapOvr>
+    <a:masterClrMapping/>
+  </p:clrMapOvr>
+</p:sld>
+</file>
+
+<file path=ppt/slides/slide17.xml><?xml version="1.0" encoding="utf-8"?>
+<p:sld xmlns:a="http://schemas.openxmlformats.org/drawingml/2006/main" xmlns:r="http://schemas.openxmlformats.org/officeDocument/2006/relationships" xmlns:p="http://schemas.openxmlformats.org/presentationml/2006/main">
+  <p:cSld>
+    <p:spTree>
+      <p:nvGrpSpPr>
+        <p:cNvPr id="1" name=""/>
+        <p:cNvGrpSpPr/>
+        <p:nvPr/>
+      </p:nvGrpSpPr>
+      <p:grpSpPr>
+        <a:xfrm>
+          <a:off x="0" y="0"/>
+          <a:ext cx="0" cy="0"/>
+          <a:chOff x="0" y="0"/>
+          <a:chExt cx="0" cy="0"/>
+        </a:xfrm>
+      </p:grpSpPr>
+      <p:sp>
+        <p:nvSpPr>
+          <p:cNvPr id="2" name="Rectangle 1">
+            <a:extLst>
+              <a:ext uri="{FF2B5EF4-FFF2-40B4-BE49-F238E27FC236}">
+                <a16:creationId xmlns:a16="http://schemas.microsoft.com/office/drawing/2014/main" id="{8F4B9C55-6A6A-4343-920B-5222107F5097}"/>
+              </a:ext>
+            </a:extLst>
+          </p:cNvPr>
+          <p:cNvSpPr/>
+          <p:nvPr/>
+        </p:nvSpPr>
+        <p:spPr>
+          <a:xfrm>
+            <a:off x="739302" y="204281"/>
+            <a:ext cx="8103141" cy="505838"/>
+          </a:xfrm>
+          <a:prstGeom prst="rect">
+            <a:avLst/>
+          </a:prstGeom>
+        </p:spPr>
+        <p:style>
+          <a:lnRef idx="2">
+            <a:schemeClr val="accent1">
+              <a:shade val="50000"/>
+            </a:schemeClr>
+          </a:lnRef>
+          <a:fillRef idx="1">
+            <a:schemeClr val="accent1"/>
+          </a:fillRef>
+          <a:effectRef idx="0">
+            <a:schemeClr val="accent1"/>
+          </a:effectRef>
+          <a:fontRef idx="minor">
+            <a:schemeClr val="lt1"/>
+          </a:fontRef>
+        </p:style>
+        <p:txBody>
+          <a:bodyPr rtlCol="0" anchor="ctr"/>
+          <a:lstStyle/>
+          <a:p>
+            <a:pPr algn="ctr"/>
+            <a:r>
+              <a:rPr lang="en-US" dirty="0"/>
+              <a:t>Plugin Vs library</a:t>
+            </a:r>
+            <a:endParaRPr lang="en-IN" dirty="0"/>
+          </a:p>
+        </p:txBody>
+      </p:sp>
+      <p:sp>
+        <p:nvSpPr>
+          <p:cNvPr id="3" name="TextBox 2">
+            <a:extLst>
+              <a:ext uri="{FF2B5EF4-FFF2-40B4-BE49-F238E27FC236}">
+                <a16:creationId xmlns:a16="http://schemas.microsoft.com/office/drawing/2014/main" id="{CEE74068-5752-4AEF-A131-A8D90D35EF4E}"/>
+              </a:ext>
+            </a:extLst>
+          </p:cNvPr>
+          <p:cNvSpPr txBox="1"/>
+          <p:nvPr/>
+        </p:nvSpPr>
+        <p:spPr>
+          <a:xfrm>
+            <a:off x="622570" y="1206230"/>
+            <a:ext cx="8287966" cy="2585323"/>
+          </a:xfrm>
+          <a:prstGeom prst="rect">
+            <a:avLst/>
+          </a:prstGeom>
+          <a:noFill/>
+        </p:spPr>
+        <p:txBody>
+          <a:bodyPr wrap="square" rtlCol="0">
+            <a:spAutoFit/>
+          </a:bodyPr>
+          <a:lstStyle/>
+          <a:p>
+            <a:r>
+              <a:rPr lang="en-US" dirty="0"/>
+              <a:t>A static plugin is compiled into the exe. Otherwise, it would not be static :-)</a:t>
+            </a:r>
+          </a:p>
+          <a:p>
+            <a:endParaRPr lang="en-US" dirty="0"/>
+          </a:p>
+          <a:p>
+            <a:r>
+              <a:rPr lang="en-US" dirty="0"/>
+              <a:t>A plugin is optional, a library is required (shortened view, one could construct examples where it is the other way round)</a:t>
+            </a:r>
+          </a:p>
+          <a:p>
+            <a:endParaRPr lang="en-US" dirty="0"/>
+          </a:p>
+          <a:p>
+            <a:r>
+              <a:rPr lang="en-US" dirty="0"/>
+              <a:t>See it like the SQL support in Qt:</a:t>
+            </a:r>
+          </a:p>
+          <a:p>
+            <a:endParaRPr lang="en-US" dirty="0"/>
+          </a:p>
+          <a:p>
+            <a:r>
+              <a:rPr lang="en-US" dirty="0"/>
+              <a:t>QtSql4.dll is the </a:t>
+            </a:r>
+            <a:r>
+              <a:rPr lang="en-US" dirty="0" err="1"/>
+              <a:t>libraray</a:t>
+            </a:r>
+            <a:r>
+              <a:rPr lang="en-US" dirty="0"/>
+              <a:t>, it provides the core functionality</a:t>
+            </a:r>
+          </a:p>
+          <a:p>
+            <a:r>
+              <a:rPr lang="en-US" dirty="0"/>
+              <a:t>libqsqlite.dll, libsqsqlmysql.dll are the drivers and work as plugins</a:t>
+            </a:r>
+            <a:endParaRPr lang="en-IN" dirty="0"/>
+          </a:p>
+        </p:txBody>
+      </p:sp>
+    </p:spTree>
+    <p:extLst>
+      <p:ext uri="{BB962C8B-B14F-4D97-AF65-F5344CB8AC3E}">
+        <p14:creationId xmlns:p14="http://schemas.microsoft.com/office/powerpoint/2010/main" val="171597819"/>
+      </p:ext>
+    </p:extLst>
+  </p:cSld>
+  <p:clrMapOvr>
+    <a:masterClrMapping/>
+  </p:clrMapOvr>
+</p:sld>
+</file>
+
+<file path=ppt/slides/slide18.xml><?xml version="1.0" encoding="utf-8"?>
+<p:sld xmlns:a="http://schemas.openxmlformats.org/drawingml/2006/main" xmlns:r="http://schemas.openxmlformats.org/officeDocument/2006/relationships" xmlns:p="http://schemas.openxmlformats.org/presentationml/2006/main">
+  <p:cSld>
+    <p:spTree>
+      <p:nvGrpSpPr>
+        <p:cNvPr id="1" name=""/>
+        <p:cNvGrpSpPr/>
+        <p:nvPr/>
+      </p:nvGrpSpPr>
+      <p:grpSpPr>
+        <a:xfrm>
+          <a:off x="0" y="0"/>
+          <a:ext cx="0" cy="0"/>
+          <a:chOff x="0" y="0"/>
+          <a:chExt cx="0" cy="0"/>
+        </a:xfrm>
+      </p:grpSpPr>
+      <p:sp>
+        <p:nvSpPr>
+          <p:cNvPr id="2" name="Rectangle 1">
+            <a:extLst>
+              <a:ext uri="{FF2B5EF4-FFF2-40B4-BE49-F238E27FC236}">
+                <a16:creationId xmlns:a16="http://schemas.microsoft.com/office/drawing/2014/main" id="{92ADACD1-EF37-4F3B-97B0-DFE6DF79A51A}"/>
+              </a:ext>
+            </a:extLst>
+          </p:cNvPr>
+          <p:cNvSpPr/>
+          <p:nvPr/>
+        </p:nvSpPr>
+        <p:spPr>
+          <a:xfrm>
+            <a:off x="359923" y="340468"/>
+            <a:ext cx="9173183" cy="632298"/>
+          </a:xfrm>
+          <a:prstGeom prst="rect">
+            <a:avLst/>
+          </a:prstGeom>
+        </p:spPr>
+        <p:style>
+          <a:lnRef idx="2">
+            <a:schemeClr val="accent1">
+              <a:shade val="50000"/>
+            </a:schemeClr>
+          </a:lnRef>
+          <a:fillRef idx="1">
+            <a:schemeClr val="accent1"/>
+          </a:fillRef>
+          <a:effectRef idx="0">
+            <a:schemeClr val="accent1"/>
+          </a:effectRef>
+          <a:fontRef idx="minor">
+            <a:schemeClr val="lt1"/>
+          </a:fontRef>
+        </p:style>
+        <p:txBody>
+          <a:bodyPr rtlCol="0" anchor="ctr"/>
+          <a:lstStyle/>
+          <a:p>
+            <a:pPr algn="ctr"/>
+            <a:r>
+              <a:rPr lang="en-US" dirty="0"/>
+              <a:t>Creating custom QML components</a:t>
+            </a:r>
+            <a:endParaRPr lang="en-IN" dirty="0"/>
+          </a:p>
+        </p:txBody>
+      </p:sp>
+      <p:pic>
+        <p:nvPicPr>
+          <p:cNvPr id="4" name="Picture 3" descr="Text&#10;&#10;Description automatically generated">
+            <a:extLst>
+              <a:ext uri="{FF2B5EF4-FFF2-40B4-BE49-F238E27FC236}">
+                <a16:creationId xmlns:a16="http://schemas.microsoft.com/office/drawing/2014/main" id="{1B406E4D-216E-4FA9-975E-BE3BAE4919F4}"/>
+              </a:ext>
+            </a:extLst>
+          </p:cNvPr>
+          <p:cNvPicPr>
+            <a:picLocks noChangeAspect="1"/>
+          </p:cNvPicPr>
+          <p:nvPr/>
+        </p:nvPicPr>
+        <p:blipFill>
+          <a:blip r:embed="rId2">
+            <a:extLst>
+              <a:ext uri="{28A0092B-C50C-407E-A947-70E740481C1C}">
+                <a14:useLocalDpi xmlns:a14="http://schemas.microsoft.com/office/drawing/2010/main" val="0"/>
+              </a:ext>
+            </a:extLst>
+          </a:blip>
+          <a:stretch>
+            <a:fillRect/>
+          </a:stretch>
+        </p:blipFill>
+        <p:spPr>
+          <a:xfrm>
+            <a:off x="1887097" y="1079123"/>
+            <a:ext cx="6306430" cy="5401429"/>
+          </a:xfrm>
+          <a:prstGeom prst="rect">
+            <a:avLst/>
+          </a:prstGeom>
+        </p:spPr>
+      </p:pic>
+    </p:spTree>
+    <p:extLst>
+      <p:ext uri="{BB962C8B-B14F-4D97-AF65-F5344CB8AC3E}">
+        <p14:creationId xmlns:p14="http://schemas.microsoft.com/office/powerpoint/2010/main" val="622538855"/>
+      </p:ext>
+    </p:extLst>
+  </p:cSld>
+  <p:clrMapOvr>
+    <a:masterClrMapping/>
+  </p:clrMapOvr>
+</p:sld>
+</file>
+
+<file path=ppt/slides/slide19.xml><?xml version="1.0" encoding="utf-8"?>
+<p:sld xmlns:a="http://schemas.openxmlformats.org/drawingml/2006/main" xmlns:r="http://schemas.openxmlformats.org/officeDocument/2006/relationships" xmlns:p="http://schemas.openxmlformats.org/presentationml/2006/main">
+  <p:cSld>
+    <p:spTree>
+      <p:nvGrpSpPr>
+        <p:cNvPr id="1" name=""/>
+        <p:cNvGrpSpPr/>
+        <p:nvPr/>
+      </p:nvGrpSpPr>
+      <p:grpSpPr>
+        <a:xfrm>
+          <a:off x="0" y="0"/>
+          <a:ext cx="0" cy="0"/>
+          <a:chOff x="0" y="0"/>
+          <a:chExt cx="0" cy="0"/>
+        </a:xfrm>
+      </p:grpSpPr>
+    </p:spTree>
+    <p:extLst>
+      <p:ext uri="{BB962C8B-B14F-4D97-AF65-F5344CB8AC3E}">
+        <p14:creationId xmlns:p14="http://schemas.microsoft.com/office/powerpoint/2010/main" val="3763878279"/>
       </p:ext>
     </p:extLst>
   </p:cSld>
@@ -15019,6 +17434,96 @@
     <p:extLst>
       <p:ext uri="{BB962C8B-B14F-4D97-AF65-F5344CB8AC3E}">
         <p14:creationId xmlns:p14="http://schemas.microsoft.com/office/powerpoint/2010/main" val="1313203553"/>
+      </p:ext>
+    </p:extLst>
+  </p:cSld>
+  <p:clrMapOvr>
+    <a:masterClrMapping/>
+  </p:clrMapOvr>
+</p:sld>
+</file>
+
+<file path=ppt/slides/slide20.xml><?xml version="1.0" encoding="utf-8"?>
+<p:sld xmlns:a="http://schemas.openxmlformats.org/drawingml/2006/main" xmlns:r="http://schemas.openxmlformats.org/officeDocument/2006/relationships" xmlns:p="http://schemas.openxmlformats.org/presentationml/2006/main">
+  <p:cSld>
+    <p:spTree>
+      <p:nvGrpSpPr>
+        <p:cNvPr id="1" name=""/>
+        <p:cNvGrpSpPr/>
+        <p:nvPr/>
+      </p:nvGrpSpPr>
+      <p:grpSpPr>
+        <a:xfrm>
+          <a:off x="0" y="0"/>
+          <a:ext cx="0" cy="0"/>
+          <a:chOff x="0" y="0"/>
+          <a:chExt cx="0" cy="0"/>
+        </a:xfrm>
+      </p:grpSpPr>
+    </p:spTree>
+    <p:extLst>
+      <p:ext uri="{BB962C8B-B14F-4D97-AF65-F5344CB8AC3E}">
+        <p14:creationId xmlns:p14="http://schemas.microsoft.com/office/powerpoint/2010/main" val="1178178484"/>
+      </p:ext>
+    </p:extLst>
+  </p:cSld>
+  <p:clrMapOvr>
+    <a:masterClrMapping/>
+  </p:clrMapOvr>
+</p:sld>
+</file>
+
+<file path=ppt/slides/slide21.xml><?xml version="1.0" encoding="utf-8"?>
+<p:sld xmlns:a="http://schemas.openxmlformats.org/drawingml/2006/main" xmlns:r="http://schemas.openxmlformats.org/officeDocument/2006/relationships" xmlns:p="http://schemas.openxmlformats.org/presentationml/2006/main">
+  <p:cSld>
+    <p:spTree>
+      <p:nvGrpSpPr>
+        <p:cNvPr id="1" name=""/>
+        <p:cNvGrpSpPr/>
+        <p:nvPr/>
+      </p:nvGrpSpPr>
+      <p:grpSpPr>
+        <a:xfrm>
+          <a:off x="0" y="0"/>
+          <a:ext cx="0" cy="0"/>
+          <a:chOff x="0" y="0"/>
+          <a:chExt cx="0" cy="0"/>
+        </a:xfrm>
+      </p:grpSpPr>
+    </p:spTree>
+    <p:extLst>
+      <p:ext uri="{BB962C8B-B14F-4D97-AF65-F5344CB8AC3E}">
+        <p14:creationId xmlns:p14="http://schemas.microsoft.com/office/powerpoint/2010/main" val="2568527062"/>
+      </p:ext>
+    </p:extLst>
+  </p:cSld>
+  <p:clrMapOvr>
+    <a:masterClrMapping/>
+  </p:clrMapOvr>
+</p:sld>
+</file>
+
+<file path=ppt/slides/slide22.xml><?xml version="1.0" encoding="utf-8"?>
+<p:sld xmlns:a="http://schemas.openxmlformats.org/drawingml/2006/main" xmlns:r="http://schemas.openxmlformats.org/officeDocument/2006/relationships" xmlns:p="http://schemas.openxmlformats.org/presentationml/2006/main">
+  <p:cSld>
+    <p:spTree>
+      <p:nvGrpSpPr>
+        <p:cNvPr id="1" name=""/>
+        <p:cNvGrpSpPr/>
+        <p:nvPr/>
+      </p:nvGrpSpPr>
+      <p:grpSpPr>
+        <a:xfrm>
+          <a:off x="0" y="0"/>
+          <a:ext cx="0" cy="0"/>
+          <a:chOff x="0" y="0"/>
+          <a:chExt cx="0" cy="0"/>
+        </a:xfrm>
+      </p:grpSpPr>
+    </p:spTree>
+    <p:extLst>
+      <p:ext uri="{BB962C8B-B14F-4D97-AF65-F5344CB8AC3E}">
+        <p14:creationId xmlns:p14="http://schemas.microsoft.com/office/powerpoint/2010/main" val="4129295966"/>
       </p:ext>
     </p:extLst>
   </p:cSld>
@@ -15358,7 +17863,7 @@
         </p:nvSpPr>
         <p:spPr>
           <a:xfrm>
-            <a:off x="457200" y="554477"/>
+            <a:off x="453720" y="1468877"/>
             <a:ext cx="9173183" cy="3970318"/>
           </a:xfrm>
           <a:prstGeom prst="rect">
@@ -15469,11 +17974,56 @@
           <a:p>
             <a:r>
               <a:rPr lang="en-IN" dirty="0"/>
-              <a:t>This is required in cases where we don’t know when the object will be created and how to setup the binding so that </a:t>
-            </a:r>
-            <a:r>
-              <a:rPr lang="en-IN"/>
-              <a:t>it works. </a:t>
+              <a:t>This is required in cases where we don’t know when the object will be created and how to setup the binding so that it works. </a:t>
+            </a:r>
+          </a:p>
+        </p:txBody>
+      </p:sp>
+      <p:sp>
+        <p:nvSpPr>
+          <p:cNvPr id="3" name="Rectangle 2">
+            <a:extLst>
+              <a:ext uri="{FF2B5EF4-FFF2-40B4-BE49-F238E27FC236}">
+                <a16:creationId xmlns:a16="http://schemas.microsoft.com/office/drawing/2014/main" id="{A6814463-522D-4CD5-9809-C0F7DDC4789D}"/>
+              </a:ext>
+            </a:extLst>
+          </p:cNvPr>
+          <p:cNvSpPr/>
+          <p:nvPr/>
+        </p:nvSpPr>
+        <p:spPr>
+          <a:xfrm>
+            <a:off x="396240" y="106680"/>
+            <a:ext cx="8382000" cy="708660"/>
+          </a:xfrm>
+          <a:prstGeom prst="rect">
+            <a:avLst/>
+          </a:prstGeom>
+        </p:spPr>
+        <p:style>
+          <a:lnRef idx="2">
+            <a:schemeClr val="accent1">
+              <a:shade val="50000"/>
+            </a:schemeClr>
+          </a:lnRef>
+          <a:fillRef idx="1">
+            <a:schemeClr val="accent1"/>
+          </a:fillRef>
+          <a:effectRef idx="0">
+            <a:schemeClr val="accent1"/>
+          </a:effectRef>
+          <a:fontRef idx="minor">
+            <a:schemeClr val="lt1"/>
+          </a:fontRef>
+        </p:style>
+        <p:txBody>
+          <a:bodyPr rtlCol="0" anchor="ctr"/>
+          <a:lstStyle/>
+          <a:p>
+            <a:pPr algn="ctr"/>
+            <a:r>
+              <a:rPr lang="en-US" dirty="0"/>
+              <a:t>Binding of QML with C++</a:t>
             </a:r>
             <a:endParaRPr lang="en-IN" dirty="0"/>
           </a:p>
@@ -15963,11 +18513,11 @@
           </a:p>
           <a:p>
             <a:r>
-              <a:rPr lang="en-IN" dirty="0"/>
+              <a:rPr lang="en-IN" b="1" dirty="0"/>
               <a:t>singleton</a:t>
             </a:r>
             <a:r>
-              <a:rPr lang="en-IN" dirty="0">
+              <a:rPr lang="en-IN" b="1" dirty="0">
                 <a:solidFill>
                   <a:srgbClr val="C0C0C0"/>
                 </a:solidFill>
@@ -15976,11 +18526,11 @@
               <a:t> </a:t>
             </a:r>
             <a:r>
-              <a:rPr lang="en-IN" dirty="0" err="1"/>
+              <a:rPr lang="en-IN" b="1" dirty="0" err="1"/>
               <a:t>GameSettings</a:t>
             </a:r>
             <a:r>
-              <a:rPr lang="en-IN" dirty="0">
+              <a:rPr lang="en-IN" b="1" dirty="0">
                 <a:solidFill>
                   <a:srgbClr val="C0C0C0"/>
                 </a:solidFill>
@@ -15989,11 +18539,11 @@
               <a:t> </a:t>
             </a:r>
             <a:r>
-              <a:rPr lang="en-IN" dirty="0"/>
+              <a:rPr lang="en-IN" b="1" dirty="0"/>
               <a:t>1.0</a:t>
             </a:r>
             <a:r>
-              <a:rPr lang="en-IN" dirty="0">
+              <a:rPr lang="en-IN" b="1" dirty="0">
                 <a:solidFill>
                   <a:srgbClr val="C0C0C0"/>
                 </a:solidFill>
@@ -16002,10 +18552,10 @@
               <a:t> </a:t>
             </a:r>
             <a:r>
-              <a:rPr lang="en-IN" dirty="0" err="1"/>
+              <a:rPr lang="en-IN" b="1" dirty="0" err="1"/>
               <a:t>GameSettings.qml</a:t>
             </a:r>
-            <a:endParaRPr lang="en-IN" dirty="0"/>
+            <a:endParaRPr lang="en-IN" b="1" dirty="0"/>
           </a:p>
           <a:p>
             <a:endParaRPr lang="en-IN" dirty="0"/>
